--- a/Strategy and Decision Automation.pptx
+++ b/Strategy and Decision Automation.pptx
@@ -5,7 +5,7 @@
     <p:sldMasterId id="2147483660" r:id="rId4"/>
   </p:sldMasterIdLst>
   <p:notesMasterIdLst>
-    <p:notesMasterId r:id="rId17"/>
+    <p:notesMasterId r:id="rId18"/>
   </p:notesMasterIdLst>
   <p:sldIdLst>
     <p:sldId id="278" r:id="rId5"/>
@@ -14,12 +14,13 @@
     <p:sldId id="283" r:id="rId8"/>
     <p:sldId id="281" r:id="rId9"/>
     <p:sldId id="282" r:id="rId10"/>
-    <p:sldId id="284" r:id="rId11"/>
-    <p:sldId id="288" r:id="rId12"/>
-    <p:sldId id="285" r:id="rId13"/>
-    <p:sldId id="286" r:id="rId14"/>
-    <p:sldId id="287" r:id="rId15"/>
-    <p:sldId id="290" r:id="rId16"/>
+    <p:sldId id="291" r:id="rId11"/>
+    <p:sldId id="284" r:id="rId12"/>
+    <p:sldId id="288" r:id="rId13"/>
+    <p:sldId id="285" r:id="rId14"/>
+    <p:sldId id="286" r:id="rId15"/>
+    <p:sldId id="287" r:id="rId16"/>
+    <p:sldId id="290" r:id="rId17"/>
   </p:sldIdLst>
   <p:sldSz cx="12192000" cy="6858000"/>
   <p:notesSz cx="6858000" cy="9144000"/>
@@ -6505,7 +6506,7 @@
           <p:cNvPr id="2" name="Title 1">
             <a:extLst>
               <a:ext uri="{FF2B5EF4-FFF2-40B4-BE49-F238E27FC236}">
-                <a16:creationId xmlns:a16="http://schemas.microsoft.com/office/drawing/2014/main" id="{35BE4BDA-4F85-5655-4156-1EA2893FF2F7}"/>
+                <a16:creationId xmlns:a16="http://schemas.microsoft.com/office/drawing/2014/main" id="{5848F9AB-7530-21F4-8BFA-258A5AE29278}"/>
               </a:ext>
             </a:extLst>
           </p:cNvPr>
@@ -6526,6 +6527,57 @@
               <a:rPr lang="en-US" dirty="0"/>
               <a:t>Portfolio Health</a:t>
             </a:r>
+          </a:p>
+        </p:txBody>
+      </p:sp>
+      <p:sp>
+        <p:nvSpPr>
+          <p:cNvPr id="3" name="Content Placeholder 2">
+            <a:extLst>
+              <a:ext uri="{FF2B5EF4-FFF2-40B4-BE49-F238E27FC236}">
+                <a16:creationId xmlns:a16="http://schemas.microsoft.com/office/drawing/2014/main" id="{989E28F4-2206-ADE3-3881-FFB42E1687B6}"/>
+              </a:ext>
+            </a:extLst>
+          </p:cNvPr>
+          <p:cNvSpPr>
+            <a:spLocks noGrp="1"/>
+          </p:cNvSpPr>
+          <p:nvPr>
+            <p:ph idx="1"/>
+          </p:nvPr>
+        </p:nvSpPr>
+        <p:spPr>
+          <a:xfrm>
+            <a:off x="6970643" y="2076450"/>
+            <a:ext cx="4296914" cy="3714749"/>
+          </a:xfrm>
+        </p:spPr>
+        <p:txBody>
+          <a:bodyPr/>
+          <a:lstStyle/>
+          <a:p>
+            <a:r>
+              <a:rPr lang="en-US" dirty="0"/>
+              <a:t>Over the HFI and HFS comparison</a:t>
+            </a:r>
+          </a:p>
+          <a:p>
+            <a:r>
+              <a:rPr lang="en-US" dirty="0"/>
+              <a:t>Status of most of the loans DPD vs FICO, DPD vs loan segment</a:t>
+            </a:r>
+          </a:p>
+          <a:p>
+            <a:r>
+              <a:rPr lang="en-US" dirty="0"/>
+              <a:t>Overall health of the portfolio</a:t>
+            </a:r>
+          </a:p>
+          <a:p>
+            <a:pPr marL="36900" indent="0">
+              <a:buNone/>
+            </a:pPr>
+            <a:endParaRPr lang="en-US" dirty="0"/>
           </a:p>
         </p:txBody>
       </p:sp>
@@ -6534,7 +6586,7 @@
           <p:cNvPr id="5" name="Picture 4">
             <a:extLst>
               <a:ext uri="{FF2B5EF4-FFF2-40B4-BE49-F238E27FC236}">
-                <a16:creationId xmlns:a16="http://schemas.microsoft.com/office/drawing/2014/main" id="{AA44CA6C-E41B-79B8-4D22-683E01A6A944}"/>
+                <a16:creationId xmlns:a16="http://schemas.microsoft.com/office/drawing/2014/main" id="{190B67B7-ABE7-70AD-8A1C-4D4F2F02278D}"/>
               </a:ext>
             </a:extLst>
           </p:cNvPr>
@@ -6551,8 +6603,8 @@
         </p:blipFill>
         <p:spPr>
           <a:xfrm>
-            <a:off x="518105" y="2538370"/>
-            <a:ext cx="10749452" cy="2831652"/>
+            <a:off x="913795" y="2076450"/>
+            <a:ext cx="4829849" cy="3010320"/>
           </a:xfrm>
           <a:prstGeom prst="rect">
             <a:avLst/>
@@ -6562,7 +6614,7 @@
     </p:spTree>
     <p:extLst>
       <p:ext uri="{BB962C8B-B14F-4D97-AF65-F5344CB8AC3E}">
-        <p14:creationId xmlns:p14="http://schemas.microsoft.com/office/powerpoint/2010/main" val="1414103165"/>
+        <p14:creationId xmlns:p14="http://schemas.microsoft.com/office/powerpoint/2010/main" val="18743844"/>
       </p:ext>
     </p:extLst>
   </p:cSld>
@@ -6594,6 +6646,95 @@
           <p:cNvPr id="2" name="Title 1">
             <a:extLst>
               <a:ext uri="{FF2B5EF4-FFF2-40B4-BE49-F238E27FC236}">
+                <a16:creationId xmlns:a16="http://schemas.microsoft.com/office/drawing/2014/main" id="{35BE4BDA-4F85-5655-4156-1EA2893FF2F7}"/>
+              </a:ext>
+            </a:extLst>
+          </p:cNvPr>
+          <p:cNvSpPr>
+            <a:spLocks noGrp="1"/>
+          </p:cNvSpPr>
+          <p:nvPr>
+            <p:ph type="title"/>
+          </p:nvPr>
+        </p:nvSpPr>
+        <p:spPr/>
+        <p:txBody>
+          <a:bodyPr/>
+          <a:lstStyle/>
+          <a:p>
+            <a:pPr algn="l"/>
+            <a:r>
+              <a:rPr lang="en-US" dirty="0"/>
+              <a:t>Portfolio Health</a:t>
+            </a:r>
+          </a:p>
+        </p:txBody>
+      </p:sp>
+      <p:pic>
+        <p:nvPicPr>
+          <p:cNvPr id="5" name="Picture 4">
+            <a:extLst>
+              <a:ext uri="{FF2B5EF4-FFF2-40B4-BE49-F238E27FC236}">
+                <a16:creationId xmlns:a16="http://schemas.microsoft.com/office/drawing/2014/main" id="{AA44CA6C-E41B-79B8-4D22-683E01A6A944}"/>
+              </a:ext>
+            </a:extLst>
+          </p:cNvPr>
+          <p:cNvPicPr>
+            <a:picLocks noChangeAspect="1"/>
+          </p:cNvPicPr>
+          <p:nvPr/>
+        </p:nvPicPr>
+        <p:blipFill>
+          <a:blip r:embed="rId2"/>
+          <a:stretch>
+            <a:fillRect/>
+          </a:stretch>
+        </p:blipFill>
+        <p:spPr>
+          <a:xfrm>
+            <a:off x="518105" y="2538370"/>
+            <a:ext cx="10749452" cy="2831652"/>
+          </a:xfrm>
+          <a:prstGeom prst="rect">
+            <a:avLst/>
+          </a:prstGeom>
+        </p:spPr>
+      </p:pic>
+    </p:spTree>
+    <p:extLst>
+      <p:ext uri="{BB962C8B-B14F-4D97-AF65-F5344CB8AC3E}">
+        <p14:creationId xmlns:p14="http://schemas.microsoft.com/office/powerpoint/2010/main" val="1414103165"/>
+      </p:ext>
+    </p:extLst>
+  </p:cSld>
+  <p:clrMapOvr>
+    <a:masterClrMapping/>
+  </p:clrMapOvr>
+</p:sld>
+</file>
+
+<file path=ppt/slides/slide12.xml><?xml version="1.0" encoding="utf-8"?>
+<p:sld xmlns:a="http://schemas.openxmlformats.org/drawingml/2006/main" xmlns:r="http://schemas.openxmlformats.org/officeDocument/2006/relationships" xmlns:p="http://schemas.openxmlformats.org/presentationml/2006/main">
+  <p:cSld>
+    <p:spTree>
+      <p:nvGrpSpPr>
+        <p:cNvPr id="1" name=""/>
+        <p:cNvGrpSpPr/>
+        <p:nvPr/>
+      </p:nvGrpSpPr>
+      <p:grpSpPr>
+        <a:xfrm>
+          <a:off x="0" y="0"/>
+          <a:ext cx="0" cy="0"/>
+          <a:chOff x="0" y="0"/>
+          <a:chExt cx="0" cy="0"/>
+        </a:xfrm>
+      </p:grpSpPr>
+      <p:sp>
+        <p:nvSpPr>
+          <p:cNvPr id="2" name="Title 1">
+            <a:extLst>
+              <a:ext uri="{FF2B5EF4-FFF2-40B4-BE49-F238E27FC236}">
                 <a16:creationId xmlns:a16="http://schemas.microsoft.com/office/drawing/2014/main" id="{9B34ED6B-50DC-BBE1-26A1-F9AFE08209C0}"/>
               </a:ext>
             </a:extLst>
@@ -6691,7 +6832,7 @@
 </p:sld>
 </file>
 
-<file path=ppt/slides/slide12.xml><?xml version="1.0" encoding="utf-8"?>
+<file path=ppt/slides/slide13.xml><?xml version="1.0" encoding="utf-8"?>
 <p:sld xmlns:a="http://schemas.openxmlformats.org/drawingml/2006/main" xmlns:r="http://schemas.openxmlformats.org/officeDocument/2006/relationships" xmlns:p="http://schemas.openxmlformats.org/presentationml/2006/main">
   <p:cSld>
     <p:spTree>
@@ -7428,59 +7569,72 @@
           <a:bodyPr/>
           <a:lstStyle/>
           <a:p>
+            <a:pPr algn="l"/>
             <a:r>
               <a:rPr lang="en-US" dirty="0"/>
-              <a:t>Mike - Sales</a:t>
-            </a:r>
-          </a:p>
-        </p:txBody>
-      </p:sp>
-      <p:sp>
-        <p:nvSpPr>
-          <p:cNvPr id="3" name="Content Placeholder 2">
+              <a:t>Sales Opportunities</a:t>
+            </a:r>
+          </a:p>
+        </p:txBody>
+      </p:sp>
+      <p:pic>
+        <p:nvPicPr>
+          <p:cNvPr id="7" name="Picture 6">
             <a:extLst>
               <a:ext uri="{FF2B5EF4-FFF2-40B4-BE49-F238E27FC236}">
-                <a16:creationId xmlns:a16="http://schemas.microsoft.com/office/drawing/2014/main" id="{754BCB75-F40B-9333-0434-4BFDC25CF926}"/>
+                <a16:creationId xmlns:a16="http://schemas.microsoft.com/office/drawing/2014/main" id="{7D078C29-39E7-BC74-9AF7-546F56120D1B}"/>
               </a:ext>
             </a:extLst>
           </p:cNvPr>
-          <p:cNvSpPr>
-            <a:spLocks noGrp="1"/>
-          </p:cNvSpPr>
-          <p:nvPr>
-            <p:ph idx="1"/>
-          </p:nvPr>
-        </p:nvSpPr>
-        <p:spPr/>
-        <p:txBody>
-          <a:bodyPr/>
-          <a:lstStyle/>
-          <a:p>
-            <a:r>
-              <a:rPr lang="en-US" dirty="0"/>
-              <a:t>YTD sales of the company</a:t>
-            </a:r>
-          </a:p>
-          <a:p>
-            <a:r>
-              <a:rPr lang="en-US" dirty="0"/>
-              <a:t>Segment based loan types</a:t>
-            </a:r>
-          </a:p>
-          <a:p>
-            <a:r>
-              <a:rPr lang="en-US" dirty="0"/>
-              <a:t>Concept of HFI and HFS</a:t>
-            </a:r>
-          </a:p>
-          <a:p>
-            <a:r>
-              <a:rPr lang="en-US" dirty="0"/>
-              <a:t>Investment into Crypto – API </a:t>
-            </a:r>
-          </a:p>
-        </p:txBody>
-      </p:sp>
+          <p:cNvPicPr>
+            <a:picLocks noChangeAspect="1"/>
+          </p:cNvPicPr>
+          <p:nvPr/>
+        </p:nvPicPr>
+        <p:blipFill rotWithShape="1">
+          <a:blip r:embed="rId2"/>
+          <a:srcRect l="16881" t="44928" r="9644"/>
+          <a:stretch/>
+        </p:blipFill>
+        <p:spPr>
+          <a:xfrm>
+            <a:off x="174812" y="1969994"/>
+            <a:ext cx="5634317" cy="3504079"/>
+          </a:xfrm>
+          <a:prstGeom prst="rect">
+            <a:avLst/>
+          </a:prstGeom>
+        </p:spPr>
+      </p:pic>
+      <p:pic>
+        <p:nvPicPr>
+          <p:cNvPr id="9" name="Picture 8">
+            <a:extLst>
+              <a:ext uri="{FF2B5EF4-FFF2-40B4-BE49-F238E27FC236}">
+                <a16:creationId xmlns:a16="http://schemas.microsoft.com/office/drawing/2014/main" id="{232B4F5F-7C8F-BB46-AAFC-16B260B33D2A}"/>
+              </a:ext>
+            </a:extLst>
+          </p:cNvPr>
+          <p:cNvPicPr>
+            <a:picLocks noChangeAspect="1"/>
+          </p:cNvPicPr>
+          <p:nvPr/>
+        </p:nvPicPr>
+        <p:blipFill rotWithShape="1">
+          <a:blip r:embed="rId3"/>
+          <a:srcRect l="25032" t="58627" r="5116" b="6079"/>
+          <a:stretch/>
+        </p:blipFill>
+        <p:spPr>
+          <a:xfrm>
+            <a:off x="6031006" y="1969994"/>
+            <a:ext cx="6064626" cy="3504079"/>
+          </a:xfrm>
+          <a:prstGeom prst="rect">
+            <a:avLst/>
+          </a:prstGeom>
+        </p:spPr>
+      </p:pic>
     </p:spTree>
     <p:extLst>
       <p:ext uri="{BB962C8B-B14F-4D97-AF65-F5344CB8AC3E}">
@@ -7516,7 +7670,7 @@
           <p:cNvPr id="2" name="Title 1">
             <a:extLst>
               <a:ext uri="{FF2B5EF4-FFF2-40B4-BE49-F238E27FC236}">
-                <a16:creationId xmlns:a16="http://schemas.microsoft.com/office/drawing/2014/main" id="{A79A1E0A-8605-D85A-D656-059F9B49AFC8}"/>
+                <a16:creationId xmlns:a16="http://schemas.microsoft.com/office/drawing/2014/main" id="{A51BC2A2-DD3C-AE0C-CE9D-4299C9F78D53}"/>
               </a:ext>
             </a:extLst>
           </p:cNvPr>
@@ -7527,12 +7681,7 @@
             <p:ph type="title"/>
           </p:nvPr>
         </p:nvSpPr>
-        <p:spPr>
-          <a:xfrm>
-            <a:off x="343493" y="360829"/>
-            <a:ext cx="10353762" cy="1257300"/>
-          </a:xfrm>
-        </p:spPr>
+        <p:spPr/>
         <p:txBody>
           <a:bodyPr/>
           <a:lstStyle/>
@@ -7540,17 +7689,17 @@
             <a:pPr algn="l"/>
             <a:r>
               <a:rPr lang="en-US" dirty="0"/>
-              <a:t>Marketing Opportunities</a:t>
+              <a:t>Sales Opportunities</a:t>
             </a:r>
           </a:p>
         </p:txBody>
       </p:sp>
       <p:pic>
         <p:nvPicPr>
-          <p:cNvPr id="4" name="Picture 3">
+          <p:cNvPr id="5" name="Picture 4">
             <a:extLst>
               <a:ext uri="{FF2B5EF4-FFF2-40B4-BE49-F238E27FC236}">
-                <a16:creationId xmlns:a16="http://schemas.microsoft.com/office/drawing/2014/main" id="{B66A8626-EA36-16DD-E6CF-83AEA0C0EB9E}"/>
+                <a16:creationId xmlns:a16="http://schemas.microsoft.com/office/drawing/2014/main" id="{95A3B223-B422-2C87-185B-12BD050DD665}"/>
               </a:ext>
             </a:extLst>
           </p:cNvPr>
@@ -7559,16 +7708,15 @@
           </p:cNvPicPr>
           <p:nvPr/>
         </p:nvPicPr>
-        <p:blipFill>
+        <p:blipFill rotWithShape="1">
           <a:blip r:embed="rId2"/>
-          <a:stretch>
-            <a:fillRect/>
-          </a:stretch>
+          <a:srcRect l="28977" t="55000" b="5882"/>
+          <a:stretch/>
         </p:blipFill>
         <p:spPr>
           <a:xfrm>
-            <a:off x="343493" y="1949387"/>
-            <a:ext cx="5677692" cy="3041714"/>
+            <a:off x="484094" y="2218765"/>
+            <a:ext cx="5351930" cy="2682688"/>
           </a:xfrm>
           <a:prstGeom prst="rect">
             <a:avLst/>
@@ -7577,10 +7725,10 @@
       </p:pic>
       <p:pic>
         <p:nvPicPr>
-          <p:cNvPr id="6" name="Picture 5">
+          <p:cNvPr id="7" name="Picture 6">
             <a:extLst>
               <a:ext uri="{FF2B5EF4-FFF2-40B4-BE49-F238E27FC236}">
-                <a16:creationId xmlns:a16="http://schemas.microsoft.com/office/drawing/2014/main" id="{132DB889-59A8-888C-6535-E3245A2048D0}"/>
+                <a16:creationId xmlns:a16="http://schemas.microsoft.com/office/drawing/2014/main" id="{E001EA49-101B-CE69-5583-B5154936802A}"/>
               </a:ext>
             </a:extLst>
           </p:cNvPr>
@@ -7589,293 +7737,25 @@
           </p:cNvPicPr>
           <p:nvPr/>
         </p:nvPicPr>
-        <p:blipFill>
+        <p:blipFill rotWithShape="1">
           <a:blip r:embed="rId3"/>
-          <a:stretch>
-            <a:fillRect/>
-          </a:stretch>
+          <a:srcRect l="28763" t="56666" b="4216"/>
+          <a:stretch/>
         </p:blipFill>
         <p:spPr>
           <a:xfrm>
-            <a:off x="6206112" y="1949386"/>
-            <a:ext cx="5739277" cy="3041713"/>
+            <a:off x="5966656" y="2218765"/>
+            <a:ext cx="5839862" cy="2682688"/>
           </a:xfrm>
           <a:prstGeom prst="rect">
             <a:avLst/>
           </a:prstGeom>
         </p:spPr>
       </p:pic>
-      <p:sp>
-        <p:nvSpPr>
-          <p:cNvPr id="7" name="Rectangle 6">
-            <a:extLst>
-              <a:ext uri="{FF2B5EF4-FFF2-40B4-BE49-F238E27FC236}">
-                <a16:creationId xmlns:a16="http://schemas.microsoft.com/office/drawing/2014/main" id="{4B312D2F-3DA9-9DE1-F608-8346C3D64482}"/>
-              </a:ext>
-            </a:extLst>
-          </p:cNvPr>
-          <p:cNvSpPr/>
-          <p:nvPr/>
-        </p:nvSpPr>
-        <p:spPr>
-          <a:xfrm>
-            <a:off x="820271" y="2225493"/>
-            <a:ext cx="900954" cy="2665195"/>
-          </a:xfrm>
-          <a:prstGeom prst="rect">
-            <a:avLst/>
-          </a:prstGeom>
-          <a:noFill/>
-          <a:ln w="28575">
-            <a:solidFill>
-              <a:srgbClr val="00B050"/>
-            </a:solidFill>
-            <a:prstDash val="dash"/>
-          </a:ln>
-        </p:spPr>
-        <p:style>
-          <a:lnRef idx="2">
-            <a:schemeClr val="accent1">
-              <a:shade val="50000"/>
-            </a:schemeClr>
-          </a:lnRef>
-          <a:fillRef idx="1">
-            <a:schemeClr val="accent1"/>
-          </a:fillRef>
-          <a:effectRef idx="0">
-            <a:schemeClr val="accent1"/>
-          </a:effectRef>
-          <a:fontRef idx="minor">
-            <a:schemeClr val="lt1"/>
-          </a:fontRef>
-        </p:style>
-        <p:txBody>
-          <a:bodyPr rtlCol="0" anchor="ctr"/>
-          <a:lstStyle/>
-          <a:p>
-            <a:pPr algn="ctr"/>
-            <a:endParaRPr lang="en-US"/>
-          </a:p>
-        </p:txBody>
-      </p:sp>
-      <p:sp>
-        <p:nvSpPr>
-          <p:cNvPr id="8" name="Rectangle 7">
-            <a:extLst>
-              <a:ext uri="{FF2B5EF4-FFF2-40B4-BE49-F238E27FC236}">
-                <a16:creationId xmlns:a16="http://schemas.microsoft.com/office/drawing/2014/main" id="{D9669D81-0F8B-28F9-13E1-C5381B709030}"/>
-              </a:ext>
-            </a:extLst>
-          </p:cNvPr>
-          <p:cNvSpPr/>
-          <p:nvPr/>
-        </p:nvSpPr>
-        <p:spPr>
-          <a:xfrm>
-            <a:off x="7138148" y="2243418"/>
-            <a:ext cx="900954" cy="2665195"/>
-          </a:xfrm>
-          <a:prstGeom prst="rect">
-            <a:avLst/>
-          </a:prstGeom>
-          <a:noFill/>
-          <a:ln w="28575">
-            <a:solidFill>
-              <a:srgbClr val="00B050"/>
-            </a:solidFill>
-            <a:prstDash val="dash"/>
-          </a:ln>
-        </p:spPr>
-        <p:style>
-          <a:lnRef idx="2">
-            <a:schemeClr val="accent1">
-              <a:shade val="50000"/>
-            </a:schemeClr>
-          </a:lnRef>
-          <a:fillRef idx="1">
-            <a:schemeClr val="accent1"/>
-          </a:fillRef>
-          <a:effectRef idx="0">
-            <a:schemeClr val="accent1"/>
-          </a:effectRef>
-          <a:fontRef idx="minor">
-            <a:schemeClr val="lt1"/>
-          </a:fontRef>
-        </p:style>
-        <p:txBody>
-          <a:bodyPr rtlCol="0" anchor="ctr"/>
-          <a:lstStyle/>
-          <a:p>
-            <a:pPr algn="ctr"/>
-            <a:endParaRPr lang="en-US"/>
-          </a:p>
-        </p:txBody>
-      </p:sp>
-      <p:sp>
-        <p:nvSpPr>
-          <p:cNvPr id="10" name="Rectangle 9">
-            <a:extLst>
-              <a:ext uri="{FF2B5EF4-FFF2-40B4-BE49-F238E27FC236}">
-                <a16:creationId xmlns:a16="http://schemas.microsoft.com/office/drawing/2014/main" id="{0479DA30-15F8-B4FE-ED79-E9221436E88F}"/>
-              </a:ext>
-            </a:extLst>
-          </p:cNvPr>
-          <p:cNvSpPr/>
-          <p:nvPr/>
-        </p:nvSpPr>
-        <p:spPr>
-          <a:xfrm>
-            <a:off x="1775871" y="2243417"/>
-            <a:ext cx="900954" cy="2665195"/>
-          </a:xfrm>
-          <a:prstGeom prst="rect">
-            <a:avLst/>
-          </a:prstGeom>
-          <a:noFill/>
-          <a:ln w="28575">
-            <a:solidFill>
-              <a:srgbClr val="00B050"/>
-            </a:solidFill>
-            <a:prstDash val="dash"/>
-          </a:ln>
-        </p:spPr>
-        <p:style>
-          <a:lnRef idx="2">
-            <a:schemeClr val="accent1">
-              <a:shade val="50000"/>
-            </a:schemeClr>
-          </a:lnRef>
-          <a:fillRef idx="1">
-            <a:schemeClr val="accent1"/>
-          </a:fillRef>
-          <a:effectRef idx="0">
-            <a:schemeClr val="accent1"/>
-          </a:effectRef>
-          <a:fontRef idx="minor">
-            <a:schemeClr val="lt1"/>
-          </a:fontRef>
-        </p:style>
-        <p:txBody>
-          <a:bodyPr rtlCol="0" anchor="ctr"/>
-          <a:lstStyle/>
-          <a:p>
-            <a:pPr algn="ctr"/>
-            <a:endParaRPr lang="en-US"/>
-          </a:p>
-        </p:txBody>
-      </p:sp>
-      <p:sp>
-        <p:nvSpPr>
-          <p:cNvPr id="12" name="Rectangle 11">
-            <a:extLst>
-              <a:ext uri="{FF2B5EF4-FFF2-40B4-BE49-F238E27FC236}">
-                <a16:creationId xmlns:a16="http://schemas.microsoft.com/office/drawing/2014/main" id="{982D38DB-C243-D1C2-6AA5-D06E9E4A546F}"/>
-              </a:ext>
-            </a:extLst>
-          </p:cNvPr>
-          <p:cNvSpPr/>
-          <p:nvPr/>
-        </p:nvSpPr>
-        <p:spPr>
-          <a:xfrm>
-            <a:off x="8039102" y="2234452"/>
-            <a:ext cx="771257" cy="2665195"/>
-          </a:xfrm>
-          <a:prstGeom prst="rect">
-            <a:avLst/>
-          </a:prstGeom>
-          <a:noFill/>
-          <a:ln w="28575">
-            <a:solidFill>
-              <a:srgbClr val="00B050"/>
-            </a:solidFill>
-            <a:prstDash val="dash"/>
-          </a:ln>
-        </p:spPr>
-        <p:style>
-          <a:lnRef idx="2">
-            <a:schemeClr val="accent1">
-              <a:shade val="50000"/>
-            </a:schemeClr>
-          </a:lnRef>
-          <a:fillRef idx="1">
-            <a:schemeClr val="accent1"/>
-          </a:fillRef>
-          <a:effectRef idx="0">
-            <a:schemeClr val="accent1"/>
-          </a:effectRef>
-          <a:fontRef idx="minor">
-            <a:schemeClr val="lt1"/>
-          </a:fontRef>
-        </p:style>
-        <p:txBody>
-          <a:bodyPr rtlCol="0" anchor="ctr"/>
-          <a:lstStyle/>
-          <a:p>
-            <a:pPr algn="ctr"/>
-            <a:endParaRPr lang="en-US"/>
-          </a:p>
-        </p:txBody>
-      </p:sp>
-      <p:sp>
-        <p:nvSpPr>
-          <p:cNvPr id="13" name="TextBox 12">
-            <a:extLst>
-              <a:ext uri="{FF2B5EF4-FFF2-40B4-BE49-F238E27FC236}">
-                <a16:creationId xmlns:a16="http://schemas.microsoft.com/office/drawing/2014/main" id="{DDC05DFE-3A9D-A85D-EA35-AC097C6E5CED}"/>
-              </a:ext>
-            </a:extLst>
-          </p:cNvPr>
-          <p:cNvSpPr txBox="1"/>
-          <p:nvPr/>
-        </p:nvSpPr>
-        <p:spPr>
-          <a:xfrm>
-            <a:off x="289110" y="5199965"/>
-            <a:ext cx="11604813" cy="1200329"/>
-          </a:xfrm>
-          <a:prstGeom prst="rect">
-            <a:avLst/>
-          </a:prstGeom>
-          <a:noFill/>
-        </p:spPr>
-        <p:txBody>
-          <a:bodyPr wrap="square" rtlCol="0">
-            <a:spAutoFit/>
-          </a:bodyPr>
-          <a:lstStyle/>
-          <a:p>
-            <a:r>
-              <a:rPr lang="en-US" dirty="0"/>
-              <a:t>Based on review, we see few opportunities for market to explore:</a:t>
-            </a:r>
-          </a:p>
-          <a:p>
-            <a:pPr marL="285750" indent="-285750">
-              <a:buFont typeface="Arial" panose="020B0604020202020204" pitchFamily="34" charset="0"/>
-              <a:buChar char="•"/>
-            </a:pPr>
-            <a:r>
-              <a:rPr lang="en-US" dirty="0"/>
-              <a:t>Significant cross-sell opportunity for people in big purchase segment, given the loan volume in the segment – cross sell can be done through proactive email campaigns</a:t>
-            </a:r>
-          </a:p>
-          <a:p>
-            <a:pPr marL="285750" indent="-285750">
-              <a:buFont typeface="Arial" panose="020B0604020202020204" pitchFamily="34" charset="0"/>
-              <a:buChar char="•"/>
-            </a:pPr>
-            <a:r>
-              <a:rPr lang="en-US" dirty="0"/>
-              <a:t>Work with CCO and Accounting team, to identify segments where we can increase interest for debt consolidation loans</a:t>
-            </a:r>
-          </a:p>
-        </p:txBody>
-      </p:sp>
     </p:spTree>
     <p:extLst>
       <p:ext uri="{BB962C8B-B14F-4D97-AF65-F5344CB8AC3E}">
-        <p14:creationId xmlns:p14="http://schemas.microsoft.com/office/powerpoint/2010/main" val="1466911210"/>
+        <p14:creationId xmlns:p14="http://schemas.microsoft.com/office/powerpoint/2010/main" val="223089528"/>
       </p:ext>
     </p:extLst>
   </p:cSld>
@@ -7907,7 +7787,7 @@
           <p:cNvPr id="2" name="Title 1">
             <a:extLst>
               <a:ext uri="{FF2B5EF4-FFF2-40B4-BE49-F238E27FC236}">
-                <a16:creationId xmlns:a16="http://schemas.microsoft.com/office/drawing/2014/main" id="{13E3E5A0-80DD-9833-BEFB-BEAE96381946}"/>
+                <a16:creationId xmlns:a16="http://schemas.microsoft.com/office/drawing/2014/main" id="{A79A1E0A-8605-D85A-D656-059F9B49AFC8}"/>
               </a:ext>
             </a:extLst>
           </p:cNvPr>
@@ -7918,7 +7798,12 @@
             <p:ph type="title"/>
           </p:nvPr>
         </p:nvSpPr>
-        <p:spPr/>
+        <p:spPr>
+          <a:xfrm>
+            <a:off x="343493" y="360829"/>
+            <a:ext cx="10353762" cy="1257300"/>
+          </a:xfrm>
+        </p:spPr>
         <p:txBody>
           <a:bodyPr/>
           <a:lstStyle/>
@@ -7933,10 +7818,10 @@
       </p:sp>
       <p:pic>
         <p:nvPicPr>
-          <p:cNvPr id="5" name="Picture 4">
+          <p:cNvPr id="4" name="Picture 3">
             <a:extLst>
               <a:ext uri="{FF2B5EF4-FFF2-40B4-BE49-F238E27FC236}">
-                <a16:creationId xmlns:a16="http://schemas.microsoft.com/office/drawing/2014/main" id="{A2215D19-E563-DB1A-E21F-D58B6B91E666}"/>
+                <a16:creationId xmlns:a16="http://schemas.microsoft.com/office/drawing/2014/main" id="{B66A8626-EA36-16DD-E6CF-83AEA0C0EB9E}"/>
               </a:ext>
             </a:extLst>
           </p:cNvPr>
@@ -7953,8 +7838,8 @@
         </p:blipFill>
         <p:spPr>
           <a:xfrm>
-            <a:off x="379262" y="1933701"/>
-            <a:ext cx="5871543" cy="3057400"/>
+            <a:off x="343493" y="1949387"/>
+            <a:ext cx="5677692" cy="3041714"/>
           </a:xfrm>
           <a:prstGeom prst="rect">
             <a:avLst/>
@@ -7963,10 +7848,10 @@
       </p:pic>
       <p:pic>
         <p:nvPicPr>
-          <p:cNvPr id="7" name="Picture 6">
+          <p:cNvPr id="6" name="Picture 5">
             <a:extLst>
               <a:ext uri="{FF2B5EF4-FFF2-40B4-BE49-F238E27FC236}">
-                <a16:creationId xmlns:a16="http://schemas.microsoft.com/office/drawing/2014/main" id="{B00AA329-FAD8-694C-C642-8531B1668B31}"/>
+                <a16:creationId xmlns:a16="http://schemas.microsoft.com/office/drawing/2014/main" id="{132DB889-59A8-888C-6535-E3245A2048D0}"/>
               </a:ext>
             </a:extLst>
           </p:cNvPr>
@@ -7983,8 +7868,8 @@
         </p:blipFill>
         <p:spPr>
           <a:xfrm>
-            <a:off x="6450311" y="1933701"/>
-            <a:ext cx="5503026" cy="3057400"/>
+            <a:off x="6206112" y="1949386"/>
+            <a:ext cx="5739277" cy="3041713"/>
           </a:xfrm>
           <a:prstGeom prst="rect">
             <a:avLst/>
@@ -7993,45 +7878,10 @@
       </p:pic>
       <p:sp>
         <p:nvSpPr>
-          <p:cNvPr id="8" name="TextBox 7">
+          <p:cNvPr id="7" name="Rectangle 6">
             <a:extLst>
               <a:ext uri="{FF2B5EF4-FFF2-40B4-BE49-F238E27FC236}">
-                <a16:creationId xmlns:a16="http://schemas.microsoft.com/office/drawing/2014/main" id="{283940B7-6D98-F0AE-8C5C-67F64C099435}"/>
-              </a:ext>
-            </a:extLst>
-          </p:cNvPr>
-          <p:cNvSpPr txBox="1"/>
-          <p:nvPr/>
-        </p:nvSpPr>
-        <p:spPr>
-          <a:xfrm>
-            <a:off x="289110" y="5199965"/>
-            <a:ext cx="11604813" cy="646331"/>
-          </a:xfrm>
-          <a:prstGeom prst="rect">
-            <a:avLst/>
-          </a:prstGeom>
-          <a:noFill/>
-        </p:spPr>
-        <p:txBody>
-          <a:bodyPr wrap="square" rtlCol="0">
-            <a:spAutoFit/>
-          </a:bodyPr>
-          <a:lstStyle/>
-          <a:p>
-            <a:r>
-              <a:rPr lang="en-US" dirty="0"/>
-              <a:t>Marketing can expand more targeting in North-West Region to increase sales in that region, West region is where we get most income from, use that as proxy to explore marketing ideas in other regions</a:t>
-            </a:r>
-          </a:p>
-        </p:txBody>
-      </p:sp>
-      <p:sp>
-        <p:nvSpPr>
-          <p:cNvPr id="9" name="Oval 8">
-            <a:extLst>
-              <a:ext uri="{FF2B5EF4-FFF2-40B4-BE49-F238E27FC236}">
-                <a16:creationId xmlns:a16="http://schemas.microsoft.com/office/drawing/2014/main" id="{4DC360F2-C103-C45B-203A-EB0985EA5B19}"/>
+                <a16:creationId xmlns:a16="http://schemas.microsoft.com/office/drawing/2014/main" id="{4B312D2F-3DA9-9DE1-F608-8346C3D64482}"/>
               </a:ext>
             </a:extLst>
           </p:cNvPr>
@@ -8040,16 +7890,16 @@
         </p:nvSpPr>
         <p:spPr>
           <a:xfrm>
-            <a:off x="2952925" y="4085439"/>
-            <a:ext cx="612396" cy="444616"/>
-          </a:xfrm>
-          <a:prstGeom prst="ellipse">
+            <a:off x="820271" y="2225493"/>
+            <a:ext cx="900954" cy="2665195"/>
+          </a:xfrm>
+          <a:prstGeom prst="rect">
             <a:avLst/>
           </a:prstGeom>
           <a:noFill/>
-          <a:ln>
+          <a:ln w="28575">
             <a:solidFill>
-              <a:srgbClr val="0070C0"/>
+              <a:srgbClr val="00B050"/>
             </a:solidFill>
             <a:prstDash val="dash"/>
           </a:ln>
@@ -8079,10 +7929,224 @@
           </a:p>
         </p:txBody>
       </p:sp>
+      <p:sp>
+        <p:nvSpPr>
+          <p:cNvPr id="8" name="Rectangle 7">
+            <a:extLst>
+              <a:ext uri="{FF2B5EF4-FFF2-40B4-BE49-F238E27FC236}">
+                <a16:creationId xmlns:a16="http://schemas.microsoft.com/office/drawing/2014/main" id="{D9669D81-0F8B-28F9-13E1-C5381B709030}"/>
+              </a:ext>
+            </a:extLst>
+          </p:cNvPr>
+          <p:cNvSpPr/>
+          <p:nvPr/>
+        </p:nvSpPr>
+        <p:spPr>
+          <a:xfrm>
+            <a:off x="7138148" y="2243418"/>
+            <a:ext cx="900954" cy="2665195"/>
+          </a:xfrm>
+          <a:prstGeom prst="rect">
+            <a:avLst/>
+          </a:prstGeom>
+          <a:noFill/>
+          <a:ln w="28575">
+            <a:solidFill>
+              <a:srgbClr val="00B050"/>
+            </a:solidFill>
+            <a:prstDash val="dash"/>
+          </a:ln>
+        </p:spPr>
+        <p:style>
+          <a:lnRef idx="2">
+            <a:schemeClr val="accent1">
+              <a:shade val="50000"/>
+            </a:schemeClr>
+          </a:lnRef>
+          <a:fillRef idx="1">
+            <a:schemeClr val="accent1"/>
+          </a:fillRef>
+          <a:effectRef idx="0">
+            <a:schemeClr val="accent1"/>
+          </a:effectRef>
+          <a:fontRef idx="minor">
+            <a:schemeClr val="lt1"/>
+          </a:fontRef>
+        </p:style>
+        <p:txBody>
+          <a:bodyPr rtlCol="0" anchor="ctr"/>
+          <a:lstStyle/>
+          <a:p>
+            <a:pPr algn="ctr"/>
+            <a:endParaRPr lang="en-US"/>
+          </a:p>
+        </p:txBody>
+      </p:sp>
+      <p:sp>
+        <p:nvSpPr>
+          <p:cNvPr id="10" name="Rectangle 9">
+            <a:extLst>
+              <a:ext uri="{FF2B5EF4-FFF2-40B4-BE49-F238E27FC236}">
+                <a16:creationId xmlns:a16="http://schemas.microsoft.com/office/drawing/2014/main" id="{0479DA30-15F8-B4FE-ED79-E9221436E88F}"/>
+              </a:ext>
+            </a:extLst>
+          </p:cNvPr>
+          <p:cNvSpPr/>
+          <p:nvPr/>
+        </p:nvSpPr>
+        <p:spPr>
+          <a:xfrm>
+            <a:off x="1775871" y="2243417"/>
+            <a:ext cx="900954" cy="2665195"/>
+          </a:xfrm>
+          <a:prstGeom prst="rect">
+            <a:avLst/>
+          </a:prstGeom>
+          <a:noFill/>
+          <a:ln w="28575">
+            <a:solidFill>
+              <a:srgbClr val="00B050"/>
+            </a:solidFill>
+            <a:prstDash val="dash"/>
+          </a:ln>
+        </p:spPr>
+        <p:style>
+          <a:lnRef idx="2">
+            <a:schemeClr val="accent1">
+              <a:shade val="50000"/>
+            </a:schemeClr>
+          </a:lnRef>
+          <a:fillRef idx="1">
+            <a:schemeClr val="accent1"/>
+          </a:fillRef>
+          <a:effectRef idx="0">
+            <a:schemeClr val="accent1"/>
+          </a:effectRef>
+          <a:fontRef idx="minor">
+            <a:schemeClr val="lt1"/>
+          </a:fontRef>
+        </p:style>
+        <p:txBody>
+          <a:bodyPr rtlCol="0" anchor="ctr"/>
+          <a:lstStyle/>
+          <a:p>
+            <a:pPr algn="ctr"/>
+            <a:endParaRPr lang="en-US"/>
+          </a:p>
+        </p:txBody>
+      </p:sp>
+      <p:sp>
+        <p:nvSpPr>
+          <p:cNvPr id="12" name="Rectangle 11">
+            <a:extLst>
+              <a:ext uri="{FF2B5EF4-FFF2-40B4-BE49-F238E27FC236}">
+                <a16:creationId xmlns:a16="http://schemas.microsoft.com/office/drawing/2014/main" id="{982D38DB-C243-D1C2-6AA5-D06E9E4A546F}"/>
+              </a:ext>
+            </a:extLst>
+          </p:cNvPr>
+          <p:cNvSpPr/>
+          <p:nvPr/>
+        </p:nvSpPr>
+        <p:spPr>
+          <a:xfrm>
+            <a:off x="8039102" y="2234452"/>
+            <a:ext cx="771257" cy="2665195"/>
+          </a:xfrm>
+          <a:prstGeom prst="rect">
+            <a:avLst/>
+          </a:prstGeom>
+          <a:noFill/>
+          <a:ln w="28575">
+            <a:solidFill>
+              <a:srgbClr val="00B050"/>
+            </a:solidFill>
+            <a:prstDash val="dash"/>
+          </a:ln>
+        </p:spPr>
+        <p:style>
+          <a:lnRef idx="2">
+            <a:schemeClr val="accent1">
+              <a:shade val="50000"/>
+            </a:schemeClr>
+          </a:lnRef>
+          <a:fillRef idx="1">
+            <a:schemeClr val="accent1"/>
+          </a:fillRef>
+          <a:effectRef idx="0">
+            <a:schemeClr val="accent1"/>
+          </a:effectRef>
+          <a:fontRef idx="minor">
+            <a:schemeClr val="lt1"/>
+          </a:fontRef>
+        </p:style>
+        <p:txBody>
+          <a:bodyPr rtlCol="0" anchor="ctr"/>
+          <a:lstStyle/>
+          <a:p>
+            <a:pPr algn="ctr"/>
+            <a:endParaRPr lang="en-US"/>
+          </a:p>
+        </p:txBody>
+      </p:sp>
+      <p:sp>
+        <p:nvSpPr>
+          <p:cNvPr id="13" name="TextBox 12">
+            <a:extLst>
+              <a:ext uri="{FF2B5EF4-FFF2-40B4-BE49-F238E27FC236}">
+                <a16:creationId xmlns:a16="http://schemas.microsoft.com/office/drawing/2014/main" id="{DDC05DFE-3A9D-A85D-EA35-AC097C6E5CED}"/>
+              </a:ext>
+            </a:extLst>
+          </p:cNvPr>
+          <p:cNvSpPr txBox="1"/>
+          <p:nvPr/>
+        </p:nvSpPr>
+        <p:spPr>
+          <a:xfrm>
+            <a:off x="289110" y="5199965"/>
+            <a:ext cx="11604813" cy="1200329"/>
+          </a:xfrm>
+          <a:prstGeom prst="rect">
+            <a:avLst/>
+          </a:prstGeom>
+          <a:noFill/>
+        </p:spPr>
+        <p:txBody>
+          <a:bodyPr wrap="square" rtlCol="0">
+            <a:spAutoFit/>
+          </a:bodyPr>
+          <a:lstStyle/>
+          <a:p>
+            <a:r>
+              <a:rPr lang="en-US" dirty="0"/>
+              <a:t>Based on review, we see few opportunities for market to explore:</a:t>
+            </a:r>
+          </a:p>
+          <a:p>
+            <a:pPr marL="285750" indent="-285750">
+              <a:buFont typeface="Arial" panose="020B0604020202020204" pitchFamily="34" charset="0"/>
+              <a:buChar char="•"/>
+            </a:pPr>
+            <a:r>
+              <a:rPr lang="en-US" dirty="0"/>
+              <a:t>Significant cross-sell opportunity for people in big purchase segment, given the loan volume in the segment – cross sell can be done through proactive email campaigns</a:t>
+            </a:r>
+          </a:p>
+          <a:p>
+            <a:pPr marL="285750" indent="-285750">
+              <a:buFont typeface="Arial" panose="020B0604020202020204" pitchFamily="34" charset="0"/>
+              <a:buChar char="•"/>
+            </a:pPr>
+            <a:r>
+              <a:rPr lang="en-US" dirty="0"/>
+              <a:t>Work with CCO and Accounting team, to identify segments where we can increase interest for debt consolidation loans</a:t>
+            </a:r>
+          </a:p>
+        </p:txBody>
+      </p:sp>
     </p:spTree>
     <p:extLst>
       <p:ext uri="{BB962C8B-B14F-4D97-AF65-F5344CB8AC3E}">
-        <p14:creationId xmlns:p14="http://schemas.microsoft.com/office/powerpoint/2010/main" val="2847228237"/>
+        <p14:creationId xmlns:p14="http://schemas.microsoft.com/office/powerpoint/2010/main" val="1466911210"/>
       </p:ext>
     </p:extLst>
   </p:cSld>
@@ -8114,7 +8178,7 @@
           <p:cNvPr id="2" name="Title 1">
             <a:extLst>
               <a:ext uri="{FF2B5EF4-FFF2-40B4-BE49-F238E27FC236}">
-                <a16:creationId xmlns:a16="http://schemas.microsoft.com/office/drawing/2014/main" id="{5848F9AB-7530-21F4-8BFA-258A5AE29278}"/>
+                <a16:creationId xmlns:a16="http://schemas.microsoft.com/office/drawing/2014/main" id="{13E3E5A0-80DD-9833-BEFB-BEAE96381946}"/>
               </a:ext>
             </a:extLst>
           </p:cNvPr>
@@ -8133,59 +8197,8 @@
             <a:pPr algn="l"/>
             <a:r>
               <a:rPr lang="en-US" dirty="0"/>
-              <a:t>Portfolio Health</a:t>
-            </a:r>
-          </a:p>
-        </p:txBody>
-      </p:sp>
-      <p:sp>
-        <p:nvSpPr>
-          <p:cNvPr id="3" name="Content Placeholder 2">
-            <a:extLst>
-              <a:ext uri="{FF2B5EF4-FFF2-40B4-BE49-F238E27FC236}">
-                <a16:creationId xmlns:a16="http://schemas.microsoft.com/office/drawing/2014/main" id="{989E28F4-2206-ADE3-3881-FFB42E1687B6}"/>
-              </a:ext>
-            </a:extLst>
-          </p:cNvPr>
-          <p:cNvSpPr>
-            <a:spLocks noGrp="1"/>
-          </p:cNvSpPr>
-          <p:nvPr>
-            <p:ph idx="1"/>
-          </p:nvPr>
-        </p:nvSpPr>
-        <p:spPr>
-          <a:xfrm>
-            <a:off x="6970643" y="2076450"/>
-            <a:ext cx="4296914" cy="3714749"/>
-          </a:xfrm>
-        </p:spPr>
-        <p:txBody>
-          <a:bodyPr/>
-          <a:lstStyle/>
-          <a:p>
-            <a:r>
-              <a:rPr lang="en-US" dirty="0"/>
-              <a:t>Over the HFI and HFS comparison</a:t>
-            </a:r>
-          </a:p>
-          <a:p>
-            <a:r>
-              <a:rPr lang="en-US" dirty="0"/>
-              <a:t>Status of most of the loans DPD vs FICO, DPD vs loan segment</a:t>
-            </a:r>
-          </a:p>
-          <a:p>
-            <a:r>
-              <a:rPr lang="en-US" dirty="0"/>
-              <a:t>Overall health of the portfolio</a:t>
-            </a:r>
-          </a:p>
-          <a:p>
-            <a:pPr marL="36900" indent="0">
-              <a:buNone/>
-            </a:pPr>
-            <a:endParaRPr lang="en-US" dirty="0"/>
+              <a:t>Marketing Opportunities</a:t>
+            </a:r>
           </a:p>
         </p:txBody>
       </p:sp>
@@ -8194,7 +8207,7 @@
           <p:cNvPr id="5" name="Picture 4">
             <a:extLst>
               <a:ext uri="{FF2B5EF4-FFF2-40B4-BE49-F238E27FC236}">
-                <a16:creationId xmlns:a16="http://schemas.microsoft.com/office/drawing/2014/main" id="{190B67B7-ABE7-70AD-8A1C-4D4F2F02278D}"/>
+                <a16:creationId xmlns:a16="http://schemas.microsoft.com/office/drawing/2014/main" id="{A2215D19-E563-DB1A-E21F-D58B6B91E666}"/>
               </a:ext>
             </a:extLst>
           </p:cNvPr>
@@ -8211,18 +8224,136 @@
         </p:blipFill>
         <p:spPr>
           <a:xfrm>
-            <a:off x="913795" y="2076450"/>
-            <a:ext cx="4829849" cy="3010320"/>
+            <a:off x="379262" y="1933701"/>
+            <a:ext cx="5871543" cy="3057400"/>
           </a:xfrm>
           <a:prstGeom prst="rect">
             <a:avLst/>
           </a:prstGeom>
         </p:spPr>
       </p:pic>
+      <p:pic>
+        <p:nvPicPr>
+          <p:cNvPr id="7" name="Picture 6">
+            <a:extLst>
+              <a:ext uri="{FF2B5EF4-FFF2-40B4-BE49-F238E27FC236}">
+                <a16:creationId xmlns:a16="http://schemas.microsoft.com/office/drawing/2014/main" id="{B00AA329-FAD8-694C-C642-8531B1668B31}"/>
+              </a:ext>
+            </a:extLst>
+          </p:cNvPr>
+          <p:cNvPicPr>
+            <a:picLocks noChangeAspect="1"/>
+          </p:cNvPicPr>
+          <p:nvPr/>
+        </p:nvPicPr>
+        <p:blipFill>
+          <a:blip r:embed="rId3"/>
+          <a:stretch>
+            <a:fillRect/>
+          </a:stretch>
+        </p:blipFill>
+        <p:spPr>
+          <a:xfrm>
+            <a:off x="6450311" y="1933701"/>
+            <a:ext cx="5503026" cy="3057400"/>
+          </a:xfrm>
+          <a:prstGeom prst="rect">
+            <a:avLst/>
+          </a:prstGeom>
+        </p:spPr>
+      </p:pic>
+      <p:sp>
+        <p:nvSpPr>
+          <p:cNvPr id="8" name="TextBox 7">
+            <a:extLst>
+              <a:ext uri="{FF2B5EF4-FFF2-40B4-BE49-F238E27FC236}">
+                <a16:creationId xmlns:a16="http://schemas.microsoft.com/office/drawing/2014/main" id="{283940B7-6D98-F0AE-8C5C-67F64C099435}"/>
+              </a:ext>
+            </a:extLst>
+          </p:cNvPr>
+          <p:cNvSpPr txBox="1"/>
+          <p:nvPr/>
+        </p:nvSpPr>
+        <p:spPr>
+          <a:xfrm>
+            <a:off x="289110" y="5199965"/>
+            <a:ext cx="11604813" cy="646331"/>
+          </a:xfrm>
+          <a:prstGeom prst="rect">
+            <a:avLst/>
+          </a:prstGeom>
+          <a:noFill/>
+        </p:spPr>
+        <p:txBody>
+          <a:bodyPr wrap="square" rtlCol="0">
+            <a:spAutoFit/>
+          </a:bodyPr>
+          <a:lstStyle/>
+          <a:p>
+            <a:r>
+              <a:rPr lang="en-US" dirty="0"/>
+              <a:t>Marketing can expand more targeting in North-West Region to increase sales in that region, West region is where we get most income from, use that as proxy to explore marketing ideas in other regions</a:t>
+            </a:r>
+          </a:p>
+        </p:txBody>
+      </p:sp>
+      <p:sp>
+        <p:nvSpPr>
+          <p:cNvPr id="9" name="Oval 8">
+            <a:extLst>
+              <a:ext uri="{FF2B5EF4-FFF2-40B4-BE49-F238E27FC236}">
+                <a16:creationId xmlns:a16="http://schemas.microsoft.com/office/drawing/2014/main" id="{4DC360F2-C103-C45B-203A-EB0985EA5B19}"/>
+              </a:ext>
+            </a:extLst>
+          </p:cNvPr>
+          <p:cNvSpPr/>
+          <p:nvPr/>
+        </p:nvSpPr>
+        <p:spPr>
+          <a:xfrm>
+            <a:off x="2952925" y="4085439"/>
+            <a:ext cx="612396" cy="444616"/>
+          </a:xfrm>
+          <a:prstGeom prst="ellipse">
+            <a:avLst/>
+          </a:prstGeom>
+          <a:noFill/>
+          <a:ln>
+            <a:solidFill>
+              <a:srgbClr val="0070C0"/>
+            </a:solidFill>
+            <a:prstDash val="dash"/>
+          </a:ln>
+        </p:spPr>
+        <p:style>
+          <a:lnRef idx="2">
+            <a:schemeClr val="accent1">
+              <a:shade val="50000"/>
+            </a:schemeClr>
+          </a:lnRef>
+          <a:fillRef idx="1">
+            <a:schemeClr val="accent1"/>
+          </a:fillRef>
+          <a:effectRef idx="0">
+            <a:schemeClr val="accent1"/>
+          </a:effectRef>
+          <a:fontRef idx="minor">
+            <a:schemeClr val="lt1"/>
+          </a:fontRef>
+        </p:style>
+        <p:txBody>
+          <a:bodyPr rtlCol="0" anchor="ctr"/>
+          <a:lstStyle/>
+          <a:p>
+            <a:pPr algn="ctr"/>
+            <a:endParaRPr lang="en-US"/>
+          </a:p>
+        </p:txBody>
+      </p:sp>
     </p:spTree>
     <p:extLst>
       <p:ext uri="{BB962C8B-B14F-4D97-AF65-F5344CB8AC3E}">
-        <p14:creationId xmlns:p14="http://schemas.microsoft.com/office/powerpoint/2010/main" val="18743844"/>
+        <p14:creationId xmlns:p14="http://schemas.microsoft.com/office/powerpoint/2010/main" val="2847228237"/>
       </p:ext>
     </p:extLst>
   </p:cSld>

--- a/Strategy and Decision Automation.pptx
+++ b/Strategy and Decision Automation.pptx
@@ -7292,7 +7292,12 @@
             <p:ph idx="1"/>
           </p:nvPr>
         </p:nvSpPr>
-        <p:spPr/>
+        <p:spPr>
+          <a:xfrm>
+            <a:off x="919119" y="2204197"/>
+            <a:ext cx="10353762" cy="3714749"/>
+          </a:xfrm>
+        </p:spPr>
         <p:txBody>
           <a:bodyPr/>
           <a:lstStyle/>
@@ -7326,6 +7331,41 @@
             <a:r>
               <a:rPr lang="en-US" dirty="0"/>
               <a:t>Marcus Cudjoe: Chief Credit Officer</a:t>
+            </a:r>
+          </a:p>
+        </p:txBody>
+      </p:sp>
+      <p:sp>
+        <p:nvSpPr>
+          <p:cNvPr id="4" name="TextBox 3">
+            <a:extLst>
+              <a:ext uri="{FF2B5EF4-FFF2-40B4-BE49-F238E27FC236}">
+                <a16:creationId xmlns:a16="http://schemas.microsoft.com/office/drawing/2014/main" id="{DF6275F1-5A69-4A14-A820-DB2E859A9A14}"/>
+              </a:ext>
+            </a:extLst>
+          </p:cNvPr>
+          <p:cNvSpPr txBox="1"/>
+          <p:nvPr/>
+        </p:nvSpPr>
+        <p:spPr>
+          <a:xfrm>
+            <a:off x="2702859" y="1464618"/>
+            <a:ext cx="6952130" cy="461665"/>
+          </a:xfrm>
+          <a:prstGeom prst="rect">
+            <a:avLst/>
+          </a:prstGeom>
+          <a:noFill/>
+        </p:spPr>
+        <p:txBody>
+          <a:bodyPr wrap="square" rtlCol="0">
+            <a:spAutoFit/>
+          </a:bodyPr>
+          <a:lstStyle/>
+          <a:p>
+            <a:r>
+              <a:rPr lang="en-US" sz="2400" dirty="0"/>
+              <a:t>Presentation to Dave Melillo (Chief Executive Officer)</a:t>
             </a:r>
           </a:p>
         </p:txBody>
@@ -7579,60 +7619,92 @@
       </p:sp>
       <p:pic>
         <p:nvPicPr>
-          <p:cNvPr id="7" name="Picture 6">
+          <p:cNvPr id="1030" name="Picture 6">
             <a:extLst>
               <a:ext uri="{FF2B5EF4-FFF2-40B4-BE49-F238E27FC236}">
-                <a16:creationId xmlns:a16="http://schemas.microsoft.com/office/drawing/2014/main" id="{7D078C29-39E7-BC74-9AF7-546F56120D1B}"/>
+                <a16:creationId xmlns:a16="http://schemas.microsoft.com/office/drawing/2014/main" id="{A404A524-0297-9A93-C4D2-1AEB26F0E82E}"/>
               </a:ext>
             </a:extLst>
           </p:cNvPr>
           <p:cNvPicPr>
-            <a:picLocks noChangeAspect="1"/>
+            <a:picLocks noChangeAspect="1" noChangeArrowheads="1"/>
           </p:cNvPicPr>
           <p:nvPr/>
         </p:nvPicPr>
         <p:blipFill rotWithShape="1">
-          <a:blip r:embed="rId2"/>
-          <a:srcRect l="16881" t="44928" r="9644"/>
+          <a:blip r:embed="rId2">
+            <a:extLst>
+              <a:ext uri="{28A0092B-C50C-407E-A947-70E740481C1C}">
+                <a14:useLocalDpi xmlns:a14="http://schemas.microsoft.com/office/drawing/2010/main" val="0"/>
+              </a:ext>
+            </a:extLst>
+          </a:blip>
+          <a:srcRect t="11261" b="18245"/>
           <a:stretch/>
         </p:blipFill>
-        <p:spPr>
-          <a:xfrm>
-            <a:off x="174812" y="1969994"/>
-            <a:ext cx="5634317" cy="3504079"/>
+        <p:spPr bwMode="auto">
+          <a:xfrm>
+            <a:off x="96369" y="1969994"/>
+            <a:ext cx="5857392" cy="3504080"/>
           </a:xfrm>
           <a:prstGeom prst="rect">
             <a:avLst/>
           </a:prstGeom>
+          <a:noFill/>
+          <a:extLst>
+            <a:ext uri="{909E8E84-426E-40DD-AFC4-6F175D3DCCD1}">
+              <a14:hiddenFill xmlns:a14="http://schemas.microsoft.com/office/drawing/2010/main">
+                <a:solidFill>
+                  <a:srgbClr val="FFFFFF"/>
+                </a:solidFill>
+              </a14:hiddenFill>
+            </a:ext>
+          </a:extLst>
         </p:spPr>
       </p:pic>
       <p:pic>
         <p:nvPicPr>
-          <p:cNvPr id="9" name="Picture 8">
+          <p:cNvPr id="1032" name="Picture 8">
             <a:extLst>
               <a:ext uri="{FF2B5EF4-FFF2-40B4-BE49-F238E27FC236}">
-                <a16:creationId xmlns:a16="http://schemas.microsoft.com/office/drawing/2014/main" id="{232B4F5F-7C8F-BB46-AAFC-16B260B33D2A}"/>
+                <a16:creationId xmlns:a16="http://schemas.microsoft.com/office/drawing/2014/main" id="{52E3A02F-57F7-F280-353F-E8268673F170}"/>
               </a:ext>
             </a:extLst>
           </p:cNvPr>
           <p:cNvPicPr>
-            <a:picLocks noChangeAspect="1"/>
+            <a:picLocks noChangeAspect="1" noChangeArrowheads="1"/>
           </p:cNvPicPr>
           <p:nvPr/>
         </p:nvPicPr>
         <p:blipFill rotWithShape="1">
-          <a:blip r:embed="rId3"/>
-          <a:srcRect l="25032" t="58627" r="5116" b="6079"/>
+          <a:blip r:embed="rId3">
+            <a:extLst>
+              <a:ext uri="{28A0092B-C50C-407E-A947-70E740481C1C}">
+                <a14:useLocalDpi xmlns:a14="http://schemas.microsoft.com/office/drawing/2010/main" val="0"/>
+              </a:ext>
+            </a:extLst>
+          </a:blip>
+          <a:srcRect t="8691" b="8179"/>
           <a:stretch/>
         </p:blipFill>
-        <p:spPr>
-          <a:xfrm>
-            <a:off x="6031006" y="1969994"/>
-            <a:ext cx="6064626" cy="3504079"/>
+        <p:spPr bwMode="auto">
+          <a:xfrm>
+            <a:off x="6090676" y="1969994"/>
+            <a:ext cx="5754712" cy="3504080"/>
           </a:xfrm>
           <a:prstGeom prst="rect">
             <a:avLst/>
           </a:prstGeom>
+          <a:noFill/>
+          <a:extLst>
+            <a:ext uri="{909E8E84-426E-40DD-AFC4-6F175D3DCCD1}">
+              <a14:hiddenFill xmlns:a14="http://schemas.microsoft.com/office/drawing/2010/main">
+                <a:solidFill>
+                  <a:srgbClr val="FFFFFF"/>
+                </a:solidFill>
+              </a14:hiddenFill>
+            </a:ext>
+          </a:extLst>
         </p:spPr>
       </p:pic>
     </p:spTree>
@@ -7725,31 +7797,47 @@
       </p:pic>
       <p:pic>
         <p:nvPicPr>
-          <p:cNvPr id="7" name="Picture 6">
+          <p:cNvPr id="4102" name="Picture 6">
             <a:extLst>
               <a:ext uri="{FF2B5EF4-FFF2-40B4-BE49-F238E27FC236}">
-                <a16:creationId xmlns:a16="http://schemas.microsoft.com/office/drawing/2014/main" id="{E001EA49-101B-CE69-5583-B5154936802A}"/>
+                <a16:creationId xmlns:a16="http://schemas.microsoft.com/office/drawing/2014/main" id="{FF2965D1-7A47-5617-217C-CC607E0CA005}"/>
               </a:ext>
             </a:extLst>
           </p:cNvPr>
           <p:cNvPicPr>
-            <a:picLocks noChangeAspect="1"/>
+            <a:picLocks noChangeAspect="1" noChangeArrowheads="1"/>
           </p:cNvPicPr>
           <p:nvPr/>
         </p:nvPicPr>
         <p:blipFill rotWithShape="1">
-          <a:blip r:embed="rId3"/>
-          <a:srcRect l="28763" t="56666" b="4216"/>
+          <a:blip r:embed="rId3">
+            <a:extLst>
+              <a:ext uri="{28A0092B-C50C-407E-A947-70E740481C1C}">
+                <a14:useLocalDpi xmlns:a14="http://schemas.microsoft.com/office/drawing/2010/main" val="0"/>
+              </a:ext>
+            </a:extLst>
+          </a:blip>
+          <a:srcRect t="8085"/>
           <a:stretch/>
         </p:blipFill>
-        <p:spPr>
-          <a:xfrm>
-            <a:off x="5966656" y="2218765"/>
-            <a:ext cx="5839862" cy="2682688"/>
+        <p:spPr bwMode="auto">
+          <a:xfrm>
+            <a:off x="5955552" y="2218765"/>
+            <a:ext cx="5423647" cy="2772336"/>
           </a:xfrm>
           <a:prstGeom prst="rect">
             <a:avLst/>
           </a:prstGeom>
+          <a:noFill/>
+          <a:extLst>
+            <a:ext uri="{909E8E84-426E-40DD-AFC4-6F175D3DCCD1}">
+              <a14:hiddenFill xmlns:a14="http://schemas.microsoft.com/office/drawing/2010/main">
+                <a:solidFill>
+                  <a:srgbClr val="FFFFFF"/>
+                </a:solidFill>
+              </a14:hiddenFill>
+            </a:ext>
+          </a:extLst>
         </p:spPr>
       </p:pic>
     </p:spTree>

--- a/Strategy and Decision Automation.pptx
+++ b/Strategy and Decision Automation.pptx
@@ -125,6 +125,2518 @@
     </p:ext>
   </p:extLst>
 </p:presentation>
+</file>
+
+<file path=ppt/diagrams/colors1.xml><?xml version="1.0" encoding="utf-8"?>
+<dgm:colorsDef xmlns:dgm="http://schemas.openxmlformats.org/drawingml/2006/diagram" xmlns:a="http://schemas.openxmlformats.org/drawingml/2006/main" uniqueId="urn:microsoft.com/office/officeart/2005/8/colors/accent1_2">
+  <dgm:title val=""/>
+  <dgm:desc val=""/>
+  <dgm:catLst>
+    <dgm:cat type="accent1" pri="11200"/>
+  </dgm:catLst>
+  <dgm:styleLbl name="node0">
+    <dgm:fillClrLst meth="repeat">
+      <a:schemeClr val="accent1"/>
+    </dgm:fillClrLst>
+    <dgm:linClrLst meth="repeat">
+      <a:schemeClr val="lt1"/>
+    </dgm:linClrLst>
+    <dgm:effectClrLst/>
+    <dgm:txLinClrLst/>
+    <dgm:txFillClrLst/>
+    <dgm:txEffectClrLst/>
+  </dgm:styleLbl>
+  <dgm:styleLbl name="alignNode1">
+    <dgm:fillClrLst meth="repeat">
+      <a:schemeClr val="accent1"/>
+    </dgm:fillClrLst>
+    <dgm:linClrLst meth="repeat">
+      <a:schemeClr val="accent1"/>
+    </dgm:linClrLst>
+    <dgm:effectClrLst/>
+    <dgm:txLinClrLst/>
+    <dgm:txFillClrLst/>
+    <dgm:txEffectClrLst/>
+  </dgm:styleLbl>
+  <dgm:styleLbl name="node1">
+    <dgm:fillClrLst meth="repeat">
+      <a:schemeClr val="accent1"/>
+    </dgm:fillClrLst>
+    <dgm:linClrLst meth="repeat">
+      <a:schemeClr val="lt1"/>
+    </dgm:linClrLst>
+    <dgm:effectClrLst/>
+    <dgm:txLinClrLst/>
+    <dgm:txFillClrLst/>
+    <dgm:txEffectClrLst/>
+  </dgm:styleLbl>
+  <dgm:styleLbl name="lnNode1">
+    <dgm:fillClrLst meth="repeat">
+      <a:schemeClr val="accent1"/>
+    </dgm:fillClrLst>
+    <dgm:linClrLst meth="repeat">
+      <a:schemeClr val="lt1"/>
+    </dgm:linClrLst>
+    <dgm:effectClrLst/>
+    <dgm:txLinClrLst/>
+    <dgm:txFillClrLst/>
+    <dgm:txEffectClrLst/>
+  </dgm:styleLbl>
+  <dgm:styleLbl name="vennNode1">
+    <dgm:fillClrLst meth="repeat">
+      <a:schemeClr val="accent1">
+        <a:alpha val="50000"/>
+      </a:schemeClr>
+    </dgm:fillClrLst>
+    <dgm:linClrLst meth="repeat">
+      <a:schemeClr val="lt1"/>
+    </dgm:linClrLst>
+    <dgm:effectClrLst/>
+    <dgm:txLinClrLst/>
+    <dgm:txFillClrLst/>
+    <dgm:txEffectClrLst/>
+  </dgm:styleLbl>
+  <dgm:styleLbl name="node2">
+    <dgm:fillClrLst meth="repeat">
+      <a:schemeClr val="accent1"/>
+    </dgm:fillClrLst>
+    <dgm:linClrLst meth="repeat">
+      <a:schemeClr val="lt1"/>
+    </dgm:linClrLst>
+    <dgm:effectClrLst/>
+    <dgm:txLinClrLst/>
+    <dgm:txFillClrLst/>
+    <dgm:txEffectClrLst/>
+  </dgm:styleLbl>
+  <dgm:styleLbl name="node3">
+    <dgm:fillClrLst meth="repeat">
+      <a:schemeClr val="accent1"/>
+    </dgm:fillClrLst>
+    <dgm:linClrLst meth="repeat">
+      <a:schemeClr val="lt1"/>
+    </dgm:linClrLst>
+    <dgm:effectClrLst/>
+    <dgm:txLinClrLst/>
+    <dgm:txFillClrLst/>
+    <dgm:txEffectClrLst/>
+  </dgm:styleLbl>
+  <dgm:styleLbl name="node4">
+    <dgm:fillClrLst meth="repeat">
+      <a:schemeClr val="accent1"/>
+    </dgm:fillClrLst>
+    <dgm:linClrLst meth="repeat">
+      <a:schemeClr val="lt1"/>
+    </dgm:linClrLst>
+    <dgm:effectClrLst/>
+    <dgm:txLinClrLst/>
+    <dgm:txFillClrLst/>
+    <dgm:txEffectClrLst/>
+  </dgm:styleLbl>
+  <dgm:styleLbl name="fgImgPlace1">
+    <dgm:fillClrLst meth="repeat">
+      <a:schemeClr val="accent1">
+        <a:tint val="50000"/>
+      </a:schemeClr>
+    </dgm:fillClrLst>
+    <dgm:linClrLst meth="repeat">
+      <a:schemeClr val="lt1"/>
+    </dgm:linClrLst>
+    <dgm:effectClrLst/>
+    <dgm:txLinClrLst/>
+    <dgm:txFillClrLst meth="repeat">
+      <a:schemeClr val="lt1"/>
+    </dgm:txFillClrLst>
+    <dgm:txEffectClrLst/>
+  </dgm:styleLbl>
+  <dgm:styleLbl name="alignImgPlace1">
+    <dgm:fillClrLst meth="repeat">
+      <a:schemeClr val="accent1">
+        <a:tint val="50000"/>
+      </a:schemeClr>
+    </dgm:fillClrLst>
+    <dgm:linClrLst meth="repeat">
+      <a:schemeClr val="lt1"/>
+    </dgm:linClrLst>
+    <dgm:effectClrLst/>
+    <dgm:txLinClrLst/>
+    <dgm:txFillClrLst meth="repeat">
+      <a:schemeClr val="lt1"/>
+    </dgm:txFillClrLst>
+    <dgm:txEffectClrLst/>
+  </dgm:styleLbl>
+  <dgm:styleLbl name="bgImgPlace1">
+    <dgm:fillClrLst meth="repeat">
+      <a:schemeClr val="accent1">
+        <a:tint val="50000"/>
+      </a:schemeClr>
+    </dgm:fillClrLst>
+    <dgm:linClrLst meth="repeat">
+      <a:schemeClr val="lt1"/>
+    </dgm:linClrLst>
+    <dgm:effectClrLst/>
+    <dgm:txLinClrLst/>
+    <dgm:txFillClrLst meth="repeat">
+      <a:schemeClr val="lt1"/>
+    </dgm:txFillClrLst>
+    <dgm:txEffectClrLst/>
+  </dgm:styleLbl>
+  <dgm:styleLbl name="sibTrans2D1">
+    <dgm:fillClrLst meth="repeat">
+      <a:schemeClr val="accent1">
+        <a:tint val="60000"/>
+      </a:schemeClr>
+    </dgm:fillClrLst>
+    <dgm:linClrLst meth="repeat">
+      <a:schemeClr val="accent1">
+        <a:tint val="60000"/>
+      </a:schemeClr>
+    </dgm:linClrLst>
+    <dgm:effectClrLst/>
+    <dgm:txLinClrLst/>
+    <dgm:txFillClrLst/>
+    <dgm:txEffectClrLst/>
+  </dgm:styleLbl>
+  <dgm:styleLbl name="fgSibTrans2D1">
+    <dgm:fillClrLst meth="repeat">
+      <a:schemeClr val="accent1">
+        <a:tint val="60000"/>
+      </a:schemeClr>
+    </dgm:fillClrLst>
+    <dgm:linClrLst meth="repeat">
+      <a:schemeClr val="accent1">
+        <a:tint val="60000"/>
+      </a:schemeClr>
+    </dgm:linClrLst>
+    <dgm:effectClrLst/>
+    <dgm:txLinClrLst/>
+    <dgm:txFillClrLst/>
+    <dgm:txEffectClrLst/>
+  </dgm:styleLbl>
+  <dgm:styleLbl name="bgSibTrans2D1">
+    <dgm:fillClrLst meth="repeat">
+      <a:schemeClr val="accent1">
+        <a:tint val="60000"/>
+      </a:schemeClr>
+    </dgm:fillClrLst>
+    <dgm:linClrLst meth="repeat">
+      <a:schemeClr val="accent1">
+        <a:tint val="60000"/>
+      </a:schemeClr>
+    </dgm:linClrLst>
+    <dgm:effectClrLst/>
+    <dgm:txLinClrLst/>
+    <dgm:txFillClrLst/>
+    <dgm:txEffectClrLst/>
+  </dgm:styleLbl>
+  <dgm:styleLbl name="sibTrans1D1">
+    <dgm:fillClrLst meth="repeat">
+      <a:schemeClr val="accent1"/>
+    </dgm:fillClrLst>
+    <dgm:linClrLst meth="repeat">
+      <a:schemeClr val="accent1"/>
+    </dgm:linClrLst>
+    <dgm:effectClrLst/>
+    <dgm:txLinClrLst/>
+    <dgm:txFillClrLst meth="repeat">
+      <a:schemeClr val="tx1"/>
+    </dgm:txFillClrLst>
+    <dgm:txEffectClrLst/>
+  </dgm:styleLbl>
+  <dgm:styleLbl name="callout">
+    <dgm:fillClrLst meth="repeat">
+      <a:schemeClr val="accent1"/>
+    </dgm:fillClrLst>
+    <dgm:linClrLst meth="repeat">
+      <a:schemeClr val="accent1">
+        <a:tint val="50000"/>
+      </a:schemeClr>
+    </dgm:linClrLst>
+    <dgm:effectClrLst/>
+    <dgm:txLinClrLst/>
+    <dgm:txFillClrLst meth="repeat">
+      <a:schemeClr val="tx1"/>
+    </dgm:txFillClrLst>
+    <dgm:txEffectClrLst/>
+  </dgm:styleLbl>
+  <dgm:styleLbl name="asst0">
+    <dgm:fillClrLst meth="repeat">
+      <a:schemeClr val="accent1"/>
+    </dgm:fillClrLst>
+    <dgm:linClrLst meth="repeat">
+      <a:schemeClr val="lt1"/>
+    </dgm:linClrLst>
+    <dgm:effectClrLst/>
+    <dgm:txLinClrLst/>
+    <dgm:txFillClrLst/>
+    <dgm:txEffectClrLst/>
+  </dgm:styleLbl>
+  <dgm:styleLbl name="asst1">
+    <dgm:fillClrLst meth="repeat">
+      <a:schemeClr val="accent1"/>
+    </dgm:fillClrLst>
+    <dgm:linClrLst meth="repeat">
+      <a:schemeClr val="lt1"/>
+    </dgm:linClrLst>
+    <dgm:effectClrLst/>
+    <dgm:txLinClrLst/>
+    <dgm:txFillClrLst/>
+    <dgm:txEffectClrLst/>
+  </dgm:styleLbl>
+  <dgm:styleLbl name="asst2">
+    <dgm:fillClrLst meth="repeat">
+      <a:schemeClr val="accent1"/>
+    </dgm:fillClrLst>
+    <dgm:linClrLst meth="repeat">
+      <a:schemeClr val="lt1"/>
+    </dgm:linClrLst>
+    <dgm:effectClrLst/>
+    <dgm:txLinClrLst/>
+    <dgm:txFillClrLst/>
+    <dgm:txEffectClrLst/>
+  </dgm:styleLbl>
+  <dgm:styleLbl name="asst3">
+    <dgm:fillClrLst meth="repeat">
+      <a:schemeClr val="accent1"/>
+    </dgm:fillClrLst>
+    <dgm:linClrLst meth="repeat">
+      <a:schemeClr val="lt1"/>
+    </dgm:linClrLst>
+    <dgm:effectClrLst/>
+    <dgm:txLinClrLst/>
+    <dgm:txFillClrLst/>
+    <dgm:txEffectClrLst/>
+  </dgm:styleLbl>
+  <dgm:styleLbl name="asst4">
+    <dgm:fillClrLst meth="repeat">
+      <a:schemeClr val="accent1"/>
+    </dgm:fillClrLst>
+    <dgm:linClrLst meth="repeat">
+      <a:schemeClr val="lt1"/>
+    </dgm:linClrLst>
+    <dgm:effectClrLst/>
+    <dgm:txLinClrLst/>
+    <dgm:txFillClrLst/>
+    <dgm:txEffectClrLst/>
+  </dgm:styleLbl>
+  <dgm:styleLbl name="parChTrans2D1">
+    <dgm:fillClrLst meth="repeat">
+      <a:schemeClr val="accent1">
+        <a:tint val="60000"/>
+      </a:schemeClr>
+    </dgm:fillClrLst>
+    <dgm:linClrLst meth="repeat">
+      <a:schemeClr val="accent1">
+        <a:tint val="60000"/>
+      </a:schemeClr>
+    </dgm:linClrLst>
+    <dgm:effectClrLst/>
+    <dgm:txLinClrLst/>
+    <dgm:txFillClrLst meth="repeat">
+      <a:schemeClr val="lt1"/>
+    </dgm:txFillClrLst>
+    <dgm:txEffectClrLst/>
+  </dgm:styleLbl>
+  <dgm:styleLbl name="parChTrans2D2">
+    <dgm:fillClrLst meth="repeat">
+      <a:schemeClr val="accent1"/>
+    </dgm:fillClrLst>
+    <dgm:linClrLst meth="repeat">
+      <a:schemeClr val="accent1"/>
+    </dgm:linClrLst>
+    <dgm:effectClrLst/>
+    <dgm:txLinClrLst/>
+    <dgm:txFillClrLst meth="repeat">
+      <a:schemeClr val="lt1"/>
+    </dgm:txFillClrLst>
+    <dgm:txEffectClrLst/>
+  </dgm:styleLbl>
+  <dgm:styleLbl name="parChTrans2D3">
+    <dgm:fillClrLst meth="repeat">
+      <a:schemeClr val="accent1"/>
+    </dgm:fillClrLst>
+    <dgm:linClrLst meth="repeat">
+      <a:schemeClr val="accent1"/>
+    </dgm:linClrLst>
+    <dgm:effectClrLst/>
+    <dgm:txLinClrLst/>
+    <dgm:txFillClrLst meth="repeat">
+      <a:schemeClr val="lt1"/>
+    </dgm:txFillClrLst>
+    <dgm:txEffectClrLst/>
+  </dgm:styleLbl>
+  <dgm:styleLbl name="parChTrans2D4">
+    <dgm:fillClrLst meth="repeat">
+      <a:schemeClr val="accent1"/>
+    </dgm:fillClrLst>
+    <dgm:linClrLst meth="repeat">
+      <a:schemeClr val="accent1"/>
+    </dgm:linClrLst>
+    <dgm:effectClrLst/>
+    <dgm:txLinClrLst/>
+    <dgm:txFillClrLst meth="repeat">
+      <a:schemeClr val="lt1"/>
+    </dgm:txFillClrLst>
+    <dgm:txEffectClrLst/>
+  </dgm:styleLbl>
+  <dgm:styleLbl name="parChTrans1D1">
+    <dgm:fillClrLst meth="repeat">
+      <a:schemeClr val="accent1"/>
+    </dgm:fillClrLst>
+    <dgm:linClrLst meth="repeat">
+      <a:schemeClr val="accent1">
+        <a:shade val="60000"/>
+      </a:schemeClr>
+    </dgm:linClrLst>
+    <dgm:effectClrLst/>
+    <dgm:txLinClrLst/>
+    <dgm:txFillClrLst meth="repeat">
+      <a:schemeClr val="tx1"/>
+    </dgm:txFillClrLst>
+    <dgm:txEffectClrLst/>
+  </dgm:styleLbl>
+  <dgm:styleLbl name="parChTrans1D2">
+    <dgm:fillClrLst meth="repeat">
+      <a:schemeClr val="accent1"/>
+    </dgm:fillClrLst>
+    <dgm:linClrLst meth="repeat">
+      <a:schemeClr val="accent1">
+        <a:shade val="60000"/>
+      </a:schemeClr>
+    </dgm:linClrLst>
+    <dgm:effectClrLst/>
+    <dgm:txLinClrLst/>
+    <dgm:txFillClrLst meth="repeat">
+      <a:schemeClr val="tx1"/>
+    </dgm:txFillClrLst>
+    <dgm:txEffectClrLst/>
+  </dgm:styleLbl>
+  <dgm:styleLbl name="parChTrans1D3">
+    <dgm:fillClrLst meth="repeat">
+      <a:schemeClr val="accent1"/>
+    </dgm:fillClrLst>
+    <dgm:linClrLst meth="repeat">
+      <a:schemeClr val="accent1">
+        <a:shade val="80000"/>
+      </a:schemeClr>
+    </dgm:linClrLst>
+    <dgm:effectClrLst/>
+    <dgm:txLinClrLst/>
+    <dgm:txFillClrLst meth="repeat">
+      <a:schemeClr val="tx1"/>
+    </dgm:txFillClrLst>
+    <dgm:txEffectClrLst/>
+  </dgm:styleLbl>
+  <dgm:styleLbl name="parChTrans1D4">
+    <dgm:fillClrLst meth="repeat">
+      <a:schemeClr val="accent1"/>
+    </dgm:fillClrLst>
+    <dgm:linClrLst meth="repeat">
+      <a:schemeClr val="accent1">
+        <a:shade val="80000"/>
+      </a:schemeClr>
+    </dgm:linClrLst>
+    <dgm:effectClrLst/>
+    <dgm:txLinClrLst/>
+    <dgm:txFillClrLst meth="repeat">
+      <a:schemeClr val="tx1"/>
+    </dgm:txFillClrLst>
+    <dgm:txEffectClrLst/>
+  </dgm:styleLbl>
+  <dgm:styleLbl name="fgAcc1">
+    <dgm:fillClrLst meth="repeat">
+      <a:schemeClr val="lt1">
+        <a:alpha val="90000"/>
+      </a:schemeClr>
+    </dgm:fillClrLst>
+    <dgm:linClrLst meth="repeat">
+      <a:schemeClr val="accent1"/>
+    </dgm:linClrLst>
+    <dgm:effectClrLst/>
+    <dgm:txLinClrLst/>
+    <dgm:txFillClrLst meth="repeat">
+      <a:schemeClr val="dk1"/>
+    </dgm:txFillClrLst>
+    <dgm:txEffectClrLst/>
+  </dgm:styleLbl>
+  <dgm:styleLbl name="conFgAcc1">
+    <dgm:fillClrLst meth="repeat">
+      <a:schemeClr val="lt1">
+        <a:alpha val="90000"/>
+      </a:schemeClr>
+    </dgm:fillClrLst>
+    <dgm:linClrLst meth="repeat">
+      <a:schemeClr val="accent1"/>
+    </dgm:linClrLst>
+    <dgm:effectClrLst/>
+    <dgm:txLinClrLst/>
+    <dgm:txFillClrLst meth="repeat">
+      <a:schemeClr val="dk1"/>
+    </dgm:txFillClrLst>
+    <dgm:txEffectClrLst/>
+  </dgm:styleLbl>
+  <dgm:styleLbl name="alignAcc1">
+    <dgm:fillClrLst meth="repeat">
+      <a:schemeClr val="lt1">
+        <a:alpha val="90000"/>
+      </a:schemeClr>
+    </dgm:fillClrLst>
+    <dgm:linClrLst meth="repeat">
+      <a:schemeClr val="accent1"/>
+    </dgm:linClrLst>
+    <dgm:effectClrLst/>
+    <dgm:txLinClrLst/>
+    <dgm:txFillClrLst meth="repeat">
+      <a:schemeClr val="dk1"/>
+    </dgm:txFillClrLst>
+    <dgm:txEffectClrLst/>
+  </dgm:styleLbl>
+  <dgm:styleLbl name="trAlignAcc1">
+    <dgm:fillClrLst meth="repeat">
+      <a:schemeClr val="lt1">
+        <a:alpha val="40000"/>
+      </a:schemeClr>
+    </dgm:fillClrLst>
+    <dgm:linClrLst meth="repeat">
+      <a:schemeClr val="accent1"/>
+    </dgm:linClrLst>
+    <dgm:effectClrLst/>
+    <dgm:txLinClrLst/>
+    <dgm:txFillClrLst meth="repeat">
+      <a:schemeClr val="dk1"/>
+    </dgm:txFillClrLst>
+    <dgm:txEffectClrLst/>
+  </dgm:styleLbl>
+  <dgm:styleLbl name="bgAcc1">
+    <dgm:fillClrLst meth="repeat">
+      <a:schemeClr val="lt1">
+        <a:alpha val="90000"/>
+      </a:schemeClr>
+    </dgm:fillClrLst>
+    <dgm:linClrLst meth="repeat">
+      <a:schemeClr val="accent1"/>
+    </dgm:linClrLst>
+    <dgm:effectClrLst/>
+    <dgm:txLinClrLst/>
+    <dgm:txFillClrLst meth="repeat">
+      <a:schemeClr val="dk1"/>
+    </dgm:txFillClrLst>
+    <dgm:txEffectClrLst/>
+  </dgm:styleLbl>
+  <dgm:styleLbl name="solidFgAcc1">
+    <dgm:fillClrLst meth="repeat">
+      <a:schemeClr val="lt1"/>
+    </dgm:fillClrLst>
+    <dgm:linClrLst meth="repeat">
+      <a:schemeClr val="accent1"/>
+    </dgm:linClrLst>
+    <dgm:effectClrLst/>
+    <dgm:txLinClrLst/>
+    <dgm:txFillClrLst meth="repeat">
+      <a:schemeClr val="dk1"/>
+    </dgm:txFillClrLst>
+    <dgm:txEffectClrLst/>
+  </dgm:styleLbl>
+  <dgm:styleLbl name="solidAlignAcc1">
+    <dgm:fillClrLst meth="repeat">
+      <a:schemeClr val="lt1"/>
+    </dgm:fillClrLst>
+    <dgm:linClrLst meth="repeat">
+      <a:schemeClr val="accent1"/>
+    </dgm:linClrLst>
+    <dgm:effectClrLst/>
+    <dgm:txLinClrLst/>
+    <dgm:txFillClrLst meth="repeat">
+      <a:schemeClr val="dk1"/>
+    </dgm:txFillClrLst>
+    <dgm:txEffectClrLst/>
+  </dgm:styleLbl>
+  <dgm:styleLbl name="solidBgAcc1">
+    <dgm:fillClrLst meth="repeat">
+      <a:schemeClr val="lt1"/>
+    </dgm:fillClrLst>
+    <dgm:linClrLst meth="repeat">
+      <a:schemeClr val="accent1"/>
+    </dgm:linClrLst>
+    <dgm:effectClrLst/>
+    <dgm:txLinClrLst/>
+    <dgm:txFillClrLst meth="repeat">
+      <a:schemeClr val="dk1"/>
+    </dgm:txFillClrLst>
+    <dgm:txEffectClrLst/>
+  </dgm:styleLbl>
+  <dgm:styleLbl name="fgAccFollowNode1">
+    <dgm:fillClrLst meth="repeat">
+      <a:schemeClr val="accent1">
+        <a:alpha val="90000"/>
+        <a:tint val="40000"/>
+      </a:schemeClr>
+    </dgm:fillClrLst>
+    <dgm:linClrLst meth="repeat">
+      <a:schemeClr val="accent1">
+        <a:alpha val="90000"/>
+        <a:tint val="40000"/>
+      </a:schemeClr>
+    </dgm:linClrLst>
+    <dgm:effectClrLst/>
+    <dgm:txLinClrLst/>
+    <dgm:txFillClrLst meth="repeat">
+      <a:schemeClr val="dk1"/>
+    </dgm:txFillClrLst>
+    <dgm:txEffectClrLst/>
+  </dgm:styleLbl>
+  <dgm:styleLbl name="alignAccFollowNode1">
+    <dgm:fillClrLst meth="repeat">
+      <a:schemeClr val="accent1">
+        <a:alpha val="90000"/>
+        <a:tint val="40000"/>
+      </a:schemeClr>
+    </dgm:fillClrLst>
+    <dgm:linClrLst meth="repeat">
+      <a:schemeClr val="accent1">
+        <a:alpha val="90000"/>
+        <a:tint val="40000"/>
+      </a:schemeClr>
+    </dgm:linClrLst>
+    <dgm:effectClrLst/>
+    <dgm:txLinClrLst/>
+    <dgm:txFillClrLst meth="repeat">
+      <a:schemeClr val="dk1"/>
+    </dgm:txFillClrLst>
+    <dgm:txEffectClrLst/>
+  </dgm:styleLbl>
+  <dgm:styleLbl name="bgAccFollowNode1">
+    <dgm:fillClrLst meth="repeat">
+      <a:schemeClr val="accent1">
+        <a:alpha val="90000"/>
+        <a:tint val="40000"/>
+      </a:schemeClr>
+    </dgm:fillClrLst>
+    <dgm:linClrLst meth="repeat">
+      <a:schemeClr val="accent1">
+        <a:alpha val="90000"/>
+        <a:tint val="40000"/>
+      </a:schemeClr>
+    </dgm:linClrLst>
+    <dgm:effectClrLst/>
+    <dgm:txLinClrLst/>
+    <dgm:txFillClrLst meth="repeat">
+      <a:schemeClr val="dk1"/>
+    </dgm:txFillClrLst>
+    <dgm:txEffectClrLst/>
+  </dgm:styleLbl>
+  <dgm:styleLbl name="fgAcc0">
+    <dgm:fillClrLst meth="repeat">
+      <a:schemeClr val="lt1">
+        <a:alpha val="90000"/>
+      </a:schemeClr>
+    </dgm:fillClrLst>
+    <dgm:linClrLst meth="repeat">
+      <a:schemeClr val="accent1"/>
+    </dgm:linClrLst>
+    <dgm:effectClrLst/>
+    <dgm:txLinClrLst/>
+    <dgm:txFillClrLst meth="repeat">
+      <a:schemeClr val="dk1"/>
+    </dgm:txFillClrLst>
+    <dgm:txEffectClrLst/>
+  </dgm:styleLbl>
+  <dgm:styleLbl name="fgAcc2">
+    <dgm:fillClrLst meth="repeat">
+      <a:schemeClr val="lt1">
+        <a:alpha val="90000"/>
+      </a:schemeClr>
+    </dgm:fillClrLst>
+    <dgm:linClrLst meth="repeat">
+      <a:schemeClr val="accent1"/>
+    </dgm:linClrLst>
+    <dgm:effectClrLst/>
+    <dgm:txLinClrLst/>
+    <dgm:txFillClrLst meth="repeat">
+      <a:schemeClr val="dk1"/>
+    </dgm:txFillClrLst>
+    <dgm:txEffectClrLst/>
+  </dgm:styleLbl>
+  <dgm:styleLbl name="fgAcc3">
+    <dgm:fillClrLst meth="repeat">
+      <a:schemeClr val="lt1">
+        <a:alpha val="90000"/>
+      </a:schemeClr>
+    </dgm:fillClrLst>
+    <dgm:linClrLst meth="repeat">
+      <a:schemeClr val="accent1"/>
+    </dgm:linClrLst>
+    <dgm:effectClrLst/>
+    <dgm:txLinClrLst/>
+    <dgm:txFillClrLst meth="repeat">
+      <a:schemeClr val="dk1"/>
+    </dgm:txFillClrLst>
+    <dgm:txEffectClrLst/>
+  </dgm:styleLbl>
+  <dgm:styleLbl name="fgAcc4">
+    <dgm:fillClrLst meth="repeat">
+      <a:schemeClr val="lt1">
+        <a:alpha val="90000"/>
+      </a:schemeClr>
+    </dgm:fillClrLst>
+    <dgm:linClrLst meth="repeat">
+      <a:schemeClr val="accent1"/>
+    </dgm:linClrLst>
+    <dgm:effectClrLst/>
+    <dgm:txLinClrLst/>
+    <dgm:txFillClrLst meth="repeat">
+      <a:schemeClr val="dk1"/>
+    </dgm:txFillClrLst>
+    <dgm:txEffectClrLst/>
+  </dgm:styleLbl>
+  <dgm:styleLbl name="bgShp">
+    <dgm:fillClrLst meth="repeat">
+      <a:schemeClr val="accent1">
+        <a:tint val="40000"/>
+      </a:schemeClr>
+    </dgm:fillClrLst>
+    <dgm:linClrLst meth="repeat">
+      <a:schemeClr val="accent1"/>
+    </dgm:linClrLst>
+    <dgm:effectClrLst/>
+    <dgm:txLinClrLst/>
+    <dgm:txFillClrLst meth="repeat">
+      <a:schemeClr val="dk1"/>
+    </dgm:txFillClrLst>
+    <dgm:txEffectClrLst/>
+  </dgm:styleLbl>
+  <dgm:styleLbl name="dkBgShp">
+    <dgm:fillClrLst meth="repeat">
+      <a:schemeClr val="accent1">
+        <a:shade val="80000"/>
+      </a:schemeClr>
+    </dgm:fillClrLst>
+    <dgm:linClrLst meth="repeat">
+      <a:schemeClr val="accent1"/>
+    </dgm:linClrLst>
+    <dgm:effectClrLst/>
+    <dgm:txLinClrLst/>
+    <dgm:txFillClrLst meth="repeat">
+      <a:schemeClr val="lt1"/>
+    </dgm:txFillClrLst>
+    <dgm:txEffectClrLst/>
+  </dgm:styleLbl>
+  <dgm:styleLbl name="trBgShp">
+    <dgm:fillClrLst meth="repeat">
+      <a:schemeClr val="accent1">
+        <a:tint val="50000"/>
+        <a:alpha val="40000"/>
+      </a:schemeClr>
+    </dgm:fillClrLst>
+    <dgm:linClrLst meth="repeat">
+      <a:schemeClr val="accent1"/>
+    </dgm:linClrLst>
+    <dgm:effectClrLst/>
+    <dgm:txLinClrLst/>
+    <dgm:txFillClrLst meth="repeat">
+      <a:schemeClr val="lt1"/>
+    </dgm:txFillClrLst>
+    <dgm:txEffectClrLst/>
+  </dgm:styleLbl>
+  <dgm:styleLbl name="fgShp">
+    <dgm:fillClrLst meth="repeat">
+      <a:schemeClr val="accent1">
+        <a:tint val="60000"/>
+      </a:schemeClr>
+    </dgm:fillClrLst>
+    <dgm:linClrLst meth="repeat">
+      <a:schemeClr val="lt1"/>
+    </dgm:linClrLst>
+    <dgm:effectClrLst/>
+    <dgm:txLinClrLst/>
+    <dgm:txFillClrLst meth="repeat">
+      <a:schemeClr val="dk1"/>
+    </dgm:txFillClrLst>
+    <dgm:txEffectClrLst/>
+  </dgm:styleLbl>
+  <dgm:styleLbl name="revTx">
+    <dgm:fillClrLst meth="repeat">
+      <a:schemeClr val="lt1">
+        <a:alpha val="0"/>
+      </a:schemeClr>
+    </dgm:fillClrLst>
+    <dgm:linClrLst meth="repeat">
+      <a:schemeClr val="dk1">
+        <a:alpha val="0"/>
+      </a:schemeClr>
+    </dgm:linClrLst>
+    <dgm:effectClrLst/>
+    <dgm:txLinClrLst/>
+    <dgm:txFillClrLst meth="repeat">
+      <a:schemeClr val="tx1"/>
+    </dgm:txFillClrLst>
+    <dgm:txEffectClrLst/>
+  </dgm:styleLbl>
+</dgm:colorsDef>
+</file>
+
+<file path=ppt/diagrams/data1.xml><?xml version="1.0" encoding="utf-8"?>
+<dgm:dataModel xmlns:dgm="http://schemas.openxmlformats.org/drawingml/2006/diagram" xmlns:a="http://schemas.openxmlformats.org/drawingml/2006/main">
+  <dgm:ptLst>
+    <dgm:pt modelId="{29C3DE19-A930-4609-849B-F4F4CA801BA3}" type="doc">
+      <dgm:prSet loTypeId="urn:microsoft.com/office/officeart/2005/8/layout/vList2" loCatId="list" qsTypeId="urn:microsoft.com/office/officeart/2005/8/quickstyle/simple1" qsCatId="simple" csTypeId="urn:microsoft.com/office/officeart/2005/8/colors/accent1_2" csCatId="accent1"/>
+      <dgm:spPr/>
+      <dgm:t>
+        <a:bodyPr/>
+        <a:lstStyle/>
+        <a:p>
+          <a:endParaRPr lang="en-US"/>
+        </a:p>
+      </dgm:t>
+    </dgm:pt>
+    <dgm:pt modelId="{7EB1F908-4C28-403C-8CE3-7C017B00152F}">
+      <dgm:prSet/>
+      <dgm:spPr/>
+      <dgm:t>
+        <a:bodyPr/>
+        <a:lstStyle/>
+        <a:p>
+          <a:r>
+            <a:rPr lang="en-US"/>
+            <a:t>Kuma Lin: Accounting Manager</a:t>
+          </a:r>
+        </a:p>
+      </dgm:t>
+    </dgm:pt>
+    <dgm:pt modelId="{03BBC5E2-A0D4-49DD-A3C4-FB7D4F14F491}" type="parTrans" cxnId="{BBA4B8D5-8308-4A3A-8860-AB8719DA8D19}">
+      <dgm:prSet/>
+      <dgm:spPr/>
+      <dgm:t>
+        <a:bodyPr/>
+        <a:lstStyle/>
+        <a:p>
+          <a:endParaRPr lang="en-US"/>
+        </a:p>
+      </dgm:t>
+    </dgm:pt>
+    <dgm:pt modelId="{2D94BFD6-C2F5-454F-99D4-707EE45649BA}" type="sibTrans" cxnId="{BBA4B8D5-8308-4A3A-8860-AB8719DA8D19}">
+      <dgm:prSet/>
+      <dgm:spPr/>
+      <dgm:t>
+        <a:bodyPr/>
+        <a:lstStyle/>
+        <a:p>
+          <a:endParaRPr lang="en-US"/>
+        </a:p>
+      </dgm:t>
+    </dgm:pt>
+    <dgm:pt modelId="{C3F7400E-52AD-4288-8160-E156D4ECB8CF}">
+      <dgm:prSet/>
+      <dgm:spPr/>
+      <dgm:t>
+        <a:bodyPr/>
+        <a:lstStyle/>
+        <a:p>
+          <a:r>
+            <a:rPr lang="en-US"/>
+            <a:t>Mike Mozeko: Sales Manager</a:t>
+          </a:r>
+        </a:p>
+      </dgm:t>
+    </dgm:pt>
+    <dgm:pt modelId="{7ABCFA4B-EDE4-4203-B2D2-26F0D641ED49}" type="parTrans" cxnId="{C155C896-210E-4CE8-A0C6-A8BC99F501D6}">
+      <dgm:prSet/>
+      <dgm:spPr/>
+      <dgm:t>
+        <a:bodyPr/>
+        <a:lstStyle/>
+        <a:p>
+          <a:endParaRPr lang="en-US"/>
+        </a:p>
+      </dgm:t>
+    </dgm:pt>
+    <dgm:pt modelId="{9C7AAFBD-71AF-4844-9D61-3AACAF133EA1}" type="sibTrans" cxnId="{C155C896-210E-4CE8-A0C6-A8BC99F501D6}">
+      <dgm:prSet/>
+      <dgm:spPr/>
+      <dgm:t>
+        <a:bodyPr/>
+        <a:lstStyle/>
+        <a:p>
+          <a:endParaRPr lang="en-US"/>
+        </a:p>
+      </dgm:t>
+    </dgm:pt>
+    <dgm:pt modelId="{BFCD7811-C451-4DC4-A9AD-3926B77EF426}">
+      <dgm:prSet/>
+      <dgm:spPr/>
+      <dgm:t>
+        <a:bodyPr/>
+        <a:lstStyle/>
+        <a:p>
+          <a:r>
+            <a:rPr lang="en-US"/>
+            <a:t>Kunal Sood: Marketing Manager</a:t>
+          </a:r>
+        </a:p>
+      </dgm:t>
+    </dgm:pt>
+    <dgm:pt modelId="{9FE1033E-D450-4645-BD5D-00071427D0A3}" type="parTrans" cxnId="{7A50FDE1-DBC9-42C3-843A-2D49B5D405F5}">
+      <dgm:prSet/>
+      <dgm:spPr/>
+      <dgm:t>
+        <a:bodyPr/>
+        <a:lstStyle/>
+        <a:p>
+          <a:endParaRPr lang="en-US"/>
+        </a:p>
+      </dgm:t>
+    </dgm:pt>
+    <dgm:pt modelId="{EFE76195-A740-46E8-B428-605D41ECB505}" type="sibTrans" cxnId="{7A50FDE1-DBC9-42C3-843A-2D49B5D405F5}">
+      <dgm:prSet/>
+      <dgm:spPr/>
+      <dgm:t>
+        <a:bodyPr/>
+        <a:lstStyle/>
+        <a:p>
+          <a:endParaRPr lang="en-US"/>
+        </a:p>
+      </dgm:t>
+    </dgm:pt>
+    <dgm:pt modelId="{6A7D6CAE-F9DB-4F6F-9E35-33953A6A46F2}">
+      <dgm:prSet/>
+      <dgm:spPr/>
+      <dgm:t>
+        <a:bodyPr/>
+        <a:lstStyle/>
+        <a:p>
+          <a:r>
+            <a:rPr lang="en-US"/>
+            <a:t>Marcus Cudjoe: Chief Credit Officer</a:t>
+          </a:r>
+        </a:p>
+      </dgm:t>
+    </dgm:pt>
+    <dgm:pt modelId="{8137932E-E4A1-4486-90AC-87D7DAB962D3}" type="parTrans" cxnId="{10CEA02A-F2B2-4AF7-87AE-FDD88AB071DF}">
+      <dgm:prSet/>
+      <dgm:spPr/>
+      <dgm:t>
+        <a:bodyPr/>
+        <a:lstStyle/>
+        <a:p>
+          <a:endParaRPr lang="en-US"/>
+        </a:p>
+      </dgm:t>
+    </dgm:pt>
+    <dgm:pt modelId="{33A16930-8913-4F26-A42E-34B1DA44CD83}" type="sibTrans" cxnId="{10CEA02A-F2B2-4AF7-87AE-FDD88AB071DF}">
+      <dgm:prSet/>
+      <dgm:spPr/>
+      <dgm:t>
+        <a:bodyPr/>
+        <a:lstStyle/>
+        <a:p>
+          <a:endParaRPr lang="en-US"/>
+        </a:p>
+      </dgm:t>
+    </dgm:pt>
+    <dgm:pt modelId="{805A5182-67D8-40F9-9100-C8B3B1256D7B}" type="pres">
+      <dgm:prSet presAssocID="{29C3DE19-A930-4609-849B-F4F4CA801BA3}" presName="linear" presStyleCnt="0">
+        <dgm:presLayoutVars>
+          <dgm:animLvl val="lvl"/>
+          <dgm:resizeHandles val="exact"/>
+        </dgm:presLayoutVars>
+      </dgm:prSet>
+      <dgm:spPr/>
+    </dgm:pt>
+    <dgm:pt modelId="{4FF87DE4-FC5B-42EB-9327-56A8C8281D9D}" type="pres">
+      <dgm:prSet presAssocID="{7EB1F908-4C28-403C-8CE3-7C017B00152F}" presName="parentText" presStyleLbl="node1" presStyleIdx="0" presStyleCnt="4">
+        <dgm:presLayoutVars>
+          <dgm:chMax val="0"/>
+          <dgm:bulletEnabled val="1"/>
+        </dgm:presLayoutVars>
+      </dgm:prSet>
+      <dgm:spPr/>
+    </dgm:pt>
+    <dgm:pt modelId="{AC264967-185E-4C0E-956B-B935214BDADC}" type="pres">
+      <dgm:prSet presAssocID="{2D94BFD6-C2F5-454F-99D4-707EE45649BA}" presName="spacer" presStyleCnt="0"/>
+      <dgm:spPr/>
+    </dgm:pt>
+    <dgm:pt modelId="{B93ADC5B-A721-4DDC-BE6A-1F5B7BF60DB8}" type="pres">
+      <dgm:prSet presAssocID="{C3F7400E-52AD-4288-8160-E156D4ECB8CF}" presName="parentText" presStyleLbl="node1" presStyleIdx="1" presStyleCnt="4">
+        <dgm:presLayoutVars>
+          <dgm:chMax val="0"/>
+          <dgm:bulletEnabled val="1"/>
+        </dgm:presLayoutVars>
+      </dgm:prSet>
+      <dgm:spPr/>
+    </dgm:pt>
+    <dgm:pt modelId="{4430003C-A9A7-48D2-828D-1F96D088935F}" type="pres">
+      <dgm:prSet presAssocID="{9C7AAFBD-71AF-4844-9D61-3AACAF133EA1}" presName="spacer" presStyleCnt="0"/>
+      <dgm:spPr/>
+    </dgm:pt>
+    <dgm:pt modelId="{23A35BBA-CCE7-49C6-B265-87A4C0E6C2B7}" type="pres">
+      <dgm:prSet presAssocID="{BFCD7811-C451-4DC4-A9AD-3926B77EF426}" presName="parentText" presStyleLbl="node1" presStyleIdx="2" presStyleCnt="4">
+        <dgm:presLayoutVars>
+          <dgm:chMax val="0"/>
+          <dgm:bulletEnabled val="1"/>
+        </dgm:presLayoutVars>
+      </dgm:prSet>
+      <dgm:spPr/>
+    </dgm:pt>
+    <dgm:pt modelId="{90416F89-0018-4C64-A908-228C50471550}" type="pres">
+      <dgm:prSet presAssocID="{EFE76195-A740-46E8-B428-605D41ECB505}" presName="spacer" presStyleCnt="0"/>
+      <dgm:spPr/>
+    </dgm:pt>
+    <dgm:pt modelId="{4B49145A-187A-402D-95A1-1E9F4FA24378}" type="pres">
+      <dgm:prSet presAssocID="{6A7D6CAE-F9DB-4F6F-9E35-33953A6A46F2}" presName="parentText" presStyleLbl="node1" presStyleIdx="3" presStyleCnt="4">
+        <dgm:presLayoutVars>
+          <dgm:chMax val="0"/>
+          <dgm:bulletEnabled val="1"/>
+        </dgm:presLayoutVars>
+      </dgm:prSet>
+      <dgm:spPr/>
+    </dgm:pt>
+  </dgm:ptLst>
+  <dgm:cxnLst>
+    <dgm:cxn modelId="{10CEA02A-F2B2-4AF7-87AE-FDD88AB071DF}" srcId="{29C3DE19-A930-4609-849B-F4F4CA801BA3}" destId="{6A7D6CAE-F9DB-4F6F-9E35-33953A6A46F2}" srcOrd="3" destOrd="0" parTransId="{8137932E-E4A1-4486-90AC-87D7DAB962D3}" sibTransId="{33A16930-8913-4F26-A42E-34B1DA44CD83}"/>
+    <dgm:cxn modelId="{113C132E-133F-4C2C-93A4-606ADEE8C3E1}" type="presOf" srcId="{6A7D6CAE-F9DB-4F6F-9E35-33953A6A46F2}" destId="{4B49145A-187A-402D-95A1-1E9F4FA24378}" srcOrd="0" destOrd="0" presId="urn:microsoft.com/office/officeart/2005/8/layout/vList2"/>
+    <dgm:cxn modelId="{AFFCC16D-93B8-4E53-A23F-8C036A3EDFA0}" type="presOf" srcId="{7EB1F908-4C28-403C-8CE3-7C017B00152F}" destId="{4FF87DE4-FC5B-42EB-9327-56A8C8281D9D}" srcOrd="0" destOrd="0" presId="urn:microsoft.com/office/officeart/2005/8/layout/vList2"/>
+    <dgm:cxn modelId="{4318E078-42FD-4B23-8798-548A87E089CC}" type="presOf" srcId="{BFCD7811-C451-4DC4-A9AD-3926B77EF426}" destId="{23A35BBA-CCE7-49C6-B265-87A4C0E6C2B7}" srcOrd="0" destOrd="0" presId="urn:microsoft.com/office/officeart/2005/8/layout/vList2"/>
+    <dgm:cxn modelId="{C155C896-210E-4CE8-A0C6-A8BC99F501D6}" srcId="{29C3DE19-A930-4609-849B-F4F4CA801BA3}" destId="{C3F7400E-52AD-4288-8160-E156D4ECB8CF}" srcOrd="1" destOrd="0" parTransId="{7ABCFA4B-EDE4-4203-B2D2-26F0D641ED49}" sibTransId="{9C7AAFBD-71AF-4844-9D61-3AACAF133EA1}"/>
+    <dgm:cxn modelId="{BBA4B8D5-8308-4A3A-8860-AB8719DA8D19}" srcId="{29C3DE19-A930-4609-849B-F4F4CA801BA3}" destId="{7EB1F908-4C28-403C-8CE3-7C017B00152F}" srcOrd="0" destOrd="0" parTransId="{03BBC5E2-A0D4-49DD-A3C4-FB7D4F14F491}" sibTransId="{2D94BFD6-C2F5-454F-99D4-707EE45649BA}"/>
+    <dgm:cxn modelId="{7A50FDE1-DBC9-42C3-843A-2D49B5D405F5}" srcId="{29C3DE19-A930-4609-849B-F4F4CA801BA3}" destId="{BFCD7811-C451-4DC4-A9AD-3926B77EF426}" srcOrd="2" destOrd="0" parTransId="{9FE1033E-D450-4645-BD5D-00071427D0A3}" sibTransId="{EFE76195-A740-46E8-B428-605D41ECB505}"/>
+    <dgm:cxn modelId="{FD4D10F2-95B7-49D8-859C-5C55FD18B004}" type="presOf" srcId="{29C3DE19-A930-4609-849B-F4F4CA801BA3}" destId="{805A5182-67D8-40F9-9100-C8B3B1256D7B}" srcOrd="0" destOrd="0" presId="urn:microsoft.com/office/officeart/2005/8/layout/vList2"/>
+    <dgm:cxn modelId="{84146EF7-2744-4583-A514-6C6987E0E8F5}" type="presOf" srcId="{C3F7400E-52AD-4288-8160-E156D4ECB8CF}" destId="{B93ADC5B-A721-4DDC-BE6A-1F5B7BF60DB8}" srcOrd="0" destOrd="0" presId="urn:microsoft.com/office/officeart/2005/8/layout/vList2"/>
+    <dgm:cxn modelId="{9AE422BE-5430-4638-83CC-E08818777FE1}" type="presParOf" srcId="{805A5182-67D8-40F9-9100-C8B3B1256D7B}" destId="{4FF87DE4-FC5B-42EB-9327-56A8C8281D9D}" srcOrd="0" destOrd="0" presId="urn:microsoft.com/office/officeart/2005/8/layout/vList2"/>
+    <dgm:cxn modelId="{CBD9BA85-E650-428B-995C-0F0A1D84026C}" type="presParOf" srcId="{805A5182-67D8-40F9-9100-C8B3B1256D7B}" destId="{AC264967-185E-4C0E-956B-B935214BDADC}" srcOrd="1" destOrd="0" presId="urn:microsoft.com/office/officeart/2005/8/layout/vList2"/>
+    <dgm:cxn modelId="{C689AB6F-12DE-442C-B9A9-858B85322283}" type="presParOf" srcId="{805A5182-67D8-40F9-9100-C8B3B1256D7B}" destId="{B93ADC5B-A721-4DDC-BE6A-1F5B7BF60DB8}" srcOrd="2" destOrd="0" presId="urn:microsoft.com/office/officeart/2005/8/layout/vList2"/>
+    <dgm:cxn modelId="{807AD0B3-141B-4240-80C8-511418932984}" type="presParOf" srcId="{805A5182-67D8-40F9-9100-C8B3B1256D7B}" destId="{4430003C-A9A7-48D2-828D-1F96D088935F}" srcOrd="3" destOrd="0" presId="urn:microsoft.com/office/officeart/2005/8/layout/vList2"/>
+    <dgm:cxn modelId="{7E35FB66-75D8-4056-873C-B629749E2BEA}" type="presParOf" srcId="{805A5182-67D8-40F9-9100-C8B3B1256D7B}" destId="{23A35BBA-CCE7-49C6-B265-87A4C0E6C2B7}" srcOrd="4" destOrd="0" presId="urn:microsoft.com/office/officeart/2005/8/layout/vList2"/>
+    <dgm:cxn modelId="{C8FDA720-52C0-4A8A-8B1A-0C6B01B72A7C}" type="presParOf" srcId="{805A5182-67D8-40F9-9100-C8B3B1256D7B}" destId="{90416F89-0018-4C64-A908-228C50471550}" srcOrd="5" destOrd="0" presId="urn:microsoft.com/office/officeart/2005/8/layout/vList2"/>
+    <dgm:cxn modelId="{FD2C3DA0-E4FD-4140-901E-3106BDA89D55}" type="presParOf" srcId="{805A5182-67D8-40F9-9100-C8B3B1256D7B}" destId="{4B49145A-187A-402D-95A1-1E9F4FA24378}" srcOrd="6" destOrd="0" presId="urn:microsoft.com/office/officeart/2005/8/layout/vList2"/>
+  </dgm:cxnLst>
+  <dgm:bg/>
+  <dgm:whole/>
+  <dgm:extLst>
+    <a:ext uri="http://schemas.microsoft.com/office/drawing/2008/diagram">
+      <dsp:dataModelExt xmlns:dsp="http://schemas.microsoft.com/office/drawing/2008/diagram" relId="rId6" minVer="http://schemas.openxmlformats.org/drawingml/2006/diagram"/>
+    </a:ext>
+  </dgm:extLst>
+</dgm:dataModel>
+</file>
+
+<file path=ppt/diagrams/drawing1.xml><?xml version="1.0" encoding="utf-8"?>
+<dsp:drawing xmlns:dgm="http://schemas.openxmlformats.org/drawingml/2006/diagram" xmlns:dsp="http://schemas.microsoft.com/office/drawing/2008/diagram" xmlns:a="http://schemas.openxmlformats.org/drawingml/2006/main">
+  <dsp:spTree>
+    <dsp:nvGrpSpPr>
+      <dsp:cNvPr id="0" name=""/>
+      <dsp:cNvGrpSpPr/>
+    </dsp:nvGrpSpPr>
+    <dsp:grpSpPr/>
+    <dsp:sp modelId="{4FF87DE4-FC5B-42EB-9327-56A8C8281D9D}">
+      <dsp:nvSpPr>
+        <dsp:cNvPr id="0" name=""/>
+        <dsp:cNvSpPr/>
+      </dsp:nvSpPr>
+      <dsp:spPr>
+        <a:xfrm>
+          <a:off x="0" y="27224"/>
+          <a:ext cx="10353761" cy="839474"/>
+        </a:xfrm>
+        <a:prstGeom prst="roundRect">
+          <a:avLst/>
+        </a:prstGeom>
+        <a:solidFill>
+          <a:schemeClr val="accent1">
+            <a:hueOff val="0"/>
+            <a:satOff val="0"/>
+            <a:lumOff val="0"/>
+            <a:alphaOff val="0"/>
+          </a:schemeClr>
+        </a:solidFill>
+        <a:ln w="15875" cap="rnd" cmpd="sng" algn="ctr">
+          <a:solidFill>
+            <a:schemeClr val="lt1">
+              <a:hueOff val="0"/>
+              <a:satOff val="0"/>
+              <a:lumOff val="0"/>
+              <a:alphaOff val="0"/>
+            </a:schemeClr>
+          </a:solidFill>
+          <a:prstDash val="solid"/>
+        </a:ln>
+        <a:effectLst/>
+      </dsp:spPr>
+      <dsp:style>
+        <a:lnRef idx="2">
+          <a:scrgbClr r="0" g="0" b="0"/>
+        </a:lnRef>
+        <a:fillRef idx="1">
+          <a:scrgbClr r="0" g="0" b="0"/>
+        </a:fillRef>
+        <a:effectRef idx="0">
+          <a:scrgbClr r="0" g="0" b="0"/>
+        </a:effectRef>
+        <a:fontRef idx="minor">
+          <a:schemeClr val="lt1"/>
+        </a:fontRef>
+      </dsp:style>
+      <dsp:txBody>
+        <a:bodyPr spcFirstLastPara="0" vert="horz" wrap="square" lIns="133350" tIns="133350" rIns="133350" bIns="133350" numCol="1" spcCol="1270" anchor="ctr" anchorCtr="0">
+          <a:noAutofit/>
+        </a:bodyPr>
+        <a:lstStyle/>
+        <a:p>
+          <a:pPr marL="0" lvl="0" indent="0" algn="l" defTabSz="1555750">
+            <a:lnSpc>
+              <a:spcPct val="90000"/>
+            </a:lnSpc>
+            <a:spcBef>
+              <a:spcPct val="0"/>
+            </a:spcBef>
+            <a:spcAft>
+              <a:spcPct val="35000"/>
+            </a:spcAft>
+            <a:buNone/>
+          </a:pPr>
+          <a:r>
+            <a:rPr lang="en-US" sz="3500" kern="1200"/>
+            <a:t>Kuma Lin: Accounting Manager</a:t>
+          </a:r>
+        </a:p>
+      </dsp:txBody>
+      <dsp:txXfrm>
+        <a:off x="40980" y="68204"/>
+        <a:ext cx="10271801" cy="757514"/>
+      </dsp:txXfrm>
+    </dsp:sp>
+    <dsp:sp modelId="{B93ADC5B-A721-4DDC-BE6A-1F5B7BF60DB8}">
+      <dsp:nvSpPr>
+        <dsp:cNvPr id="0" name=""/>
+        <dsp:cNvSpPr/>
+      </dsp:nvSpPr>
+      <dsp:spPr>
+        <a:xfrm>
+          <a:off x="0" y="967499"/>
+          <a:ext cx="10353761" cy="839474"/>
+        </a:xfrm>
+        <a:prstGeom prst="roundRect">
+          <a:avLst/>
+        </a:prstGeom>
+        <a:solidFill>
+          <a:schemeClr val="accent1">
+            <a:hueOff val="0"/>
+            <a:satOff val="0"/>
+            <a:lumOff val="0"/>
+            <a:alphaOff val="0"/>
+          </a:schemeClr>
+        </a:solidFill>
+        <a:ln w="15875" cap="rnd" cmpd="sng" algn="ctr">
+          <a:solidFill>
+            <a:schemeClr val="lt1">
+              <a:hueOff val="0"/>
+              <a:satOff val="0"/>
+              <a:lumOff val="0"/>
+              <a:alphaOff val="0"/>
+            </a:schemeClr>
+          </a:solidFill>
+          <a:prstDash val="solid"/>
+        </a:ln>
+        <a:effectLst/>
+      </dsp:spPr>
+      <dsp:style>
+        <a:lnRef idx="2">
+          <a:scrgbClr r="0" g="0" b="0"/>
+        </a:lnRef>
+        <a:fillRef idx="1">
+          <a:scrgbClr r="0" g="0" b="0"/>
+        </a:fillRef>
+        <a:effectRef idx="0">
+          <a:scrgbClr r="0" g="0" b="0"/>
+        </a:effectRef>
+        <a:fontRef idx="minor">
+          <a:schemeClr val="lt1"/>
+        </a:fontRef>
+      </dsp:style>
+      <dsp:txBody>
+        <a:bodyPr spcFirstLastPara="0" vert="horz" wrap="square" lIns="133350" tIns="133350" rIns="133350" bIns="133350" numCol="1" spcCol="1270" anchor="ctr" anchorCtr="0">
+          <a:noAutofit/>
+        </a:bodyPr>
+        <a:lstStyle/>
+        <a:p>
+          <a:pPr marL="0" lvl="0" indent="0" algn="l" defTabSz="1555750">
+            <a:lnSpc>
+              <a:spcPct val="90000"/>
+            </a:lnSpc>
+            <a:spcBef>
+              <a:spcPct val="0"/>
+            </a:spcBef>
+            <a:spcAft>
+              <a:spcPct val="35000"/>
+            </a:spcAft>
+            <a:buNone/>
+          </a:pPr>
+          <a:r>
+            <a:rPr lang="en-US" sz="3500" kern="1200"/>
+            <a:t>Mike Mozeko: Sales Manager</a:t>
+          </a:r>
+        </a:p>
+      </dsp:txBody>
+      <dsp:txXfrm>
+        <a:off x="40980" y="1008479"/>
+        <a:ext cx="10271801" cy="757514"/>
+      </dsp:txXfrm>
+    </dsp:sp>
+    <dsp:sp modelId="{23A35BBA-CCE7-49C6-B265-87A4C0E6C2B7}">
+      <dsp:nvSpPr>
+        <dsp:cNvPr id="0" name=""/>
+        <dsp:cNvSpPr/>
+      </dsp:nvSpPr>
+      <dsp:spPr>
+        <a:xfrm>
+          <a:off x="0" y="1907774"/>
+          <a:ext cx="10353761" cy="839474"/>
+        </a:xfrm>
+        <a:prstGeom prst="roundRect">
+          <a:avLst/>
+        </a:prstGeom>
+        <a:solidFill>
+          <a:schemeClr val="accent1">
+            <a:hueOff val="0"/>
+            <a:satOff val="0"/>
+            <a:lumOff val="0"/>
+            <a:alphaOff val="0"/>
+          </a:schemeClr>
+        </a:solidFill>
+        <a:ln w="15875" cap="rnd" cmpd="sng" algn="ctr">
+          <a:solidFill>
+            <a:schemeClr val="lt1">
+              <a:hueOff val="0"/>
+              <a:satOff val="0"/>
+              <a:lumOff val="0"/>
+              <a:alphaOff val="0"/>
+            </a:schemeClr>
+          </a:solidFill>
+          <a:prstDash val="solid"/>
+        </a:ln>
+        <a:effectLst/>
+      </dsp:spPr>
+      <dsp:style>
+        <a:lnRef idx="2">
+          <a:scrgbClr r="0" g="0" b="0"/>
+        </a:lnRef>
+        <a:fillRef idx="1">
+          <a:scrgbClr r="0" g="0" b="0"/>
+        </a:fillRef>
+        <a:effectRef idx="0">
+          <a:scrgbClr r="0" g="0" b="0"/>
+        </a:effectRef>
+        <a:fontRef idx="minor">
+          <a:schemeClr val="lt1"/>
+        </a:fontRef>
+      </dsp:style>
+      <dsp:txBody>
+        <a:bodyPr spcFirstLastPara="0" vert="horz" wrap="square" lIns="133350" tIns="133350" rIns="133350" bIns="133350" numCol="1" spcCol="1270" anchor="ctr" anchorCtr="0">
+          <a:noAutofit/>
+        </a:bodyPr>
+        <a:lstStyle/>
+        <a:p>
+          <a:pPr marL="0" lvl="0" indent="0" algn="l" defTabSz="1555750">
+            <a:lnSpc>
+              <a:spcPct val="90000"/>
+            </a:lnSpc>
+            <a:spcBef>
+              <a:spcPct val="0"/>
+            </a:spcBef>
+            <a:spcAft>
+              <a:spcPct val="35000"/>
+            </a:spcAft>
+            <a:buNone/>
+          </a:pPr>
+          <a:r>
+            <a:rPr lang="en-US" sz="3500" kern="1200"/>
+            <a:t>Kunal Sood: Marketing Manager</a:t>
+          </a:r>
+        </a:p>
+      </dsp:txBody>
+      <dsp:txXfrm>
+        <a:off x="40980" y="1948754"/>
+        <a:ext cx="10271801" cy="757514"/>
+      </dsp:txXfrm>
+    </dsp:sp>
+    <dsp:sp modelId="{4B49145A-187A-402D-95A1-1E9F4FA24378}">
+      <dsp:nvSpPr>
+        <dsp:cNvPr id="0" name=""/>
+        <dsp:cNvSpPr/>
+      </dsp:nvSpPr>
+      <dsp:spPr>
+        <a:xfrm>
+          <a:off x="0" y="2848049"/>
+          <a:ext cx="10353761" cy="839474"/>
+        </a:xfrm>
+        <a:prstGeom prst="roundRect">
+          <a:avLst/>
+        </a:prstGeom>
+        <a:solidFill>
+          <a:schemeClr val="accent1">
+            <a:hueOff val="0"/>
+            <a:satOff val="0"/>
+            <a:lumOff val="0"/>
+            <a:alphaOff val="0"/>
+          </a:schemeClr>
+        </a:solidFill>
+        <a:ln w="15875" cap="rnd" cmpd="sng" algn="ctr">
+          <a:solidFill>
+            <a:schemeClr val="lt1">
+              <a:hueOff val="0"/>
+              <a:satOff val="0"/>
+              <a:lumOff val="0"/>
+              <a:alphaOff val="0"/>
+            </a:schemeClr>
+          </a:solidFill>
+          <a:prstDash val="solid"/>
+        </a:ln>
+        <a:effectLst/>
+      </dsp:spPr>
+      <dsp:style>
+        <a:lnRef idx="2">
+          <a:scrgbClr r="0" g="0" b="0"/>
+        </a:lnRef>
+        <a:fillRef idx="1">
+          <a:scrgbClr r="0" g="0" b="0"/>
+        </a:fillRef>
+        <a:effectRef idx="0">
+          <a:scrgbClr r="0" g="0" b="0"/>
+        </a:effectRef>
+        <a:fontRef idx="minor">
+          <a:schemeClr val="lt1"/>
+        </a:fontRef>
+      </dsp:style>
+      <dsp:txBody>
+        <a:bodyPr spcFirstLastPara="0" vert="horz" wrap="square" lIns="133350" tIns="133350" rIns="133350" bIns="133350" numCol="1" spcCol="1270" anchor="ctr" anchorCtr="0">
+          <a:noAutofit/>
+        </a:bodyPr>
+        <a:lstStyle/>
+        <a:p>
+          <a:pPr marL="0" lvl="0" indent="0" algn="l" defTabSz="1555750">
+            <a:lnSpc>
+              <a:spcPct val="90000"/>
+            </a:lnSpc>
+            <a:spcBef>
+              <a:spcPct val="0"/>
+            </a:spcBef>
+            <a:spcAft>
+              <a:spcPct val="35000"/>
+            </a:spcAft>
+            <a:buNone/>
+          </a:pPr>
+          <a:r>
+            <a:rPr lang="en-US" sz="3500" kern="1200"/>
+            <a:t>Marcus Cudjoe: Chief Credit Officer</a:t>
+          </a:r>
+        </a:p>
+      </dsp:txBody>
+      <dsp:txXfrm>
+        <a:off x="40980" y="2889029"/>
+        <a:ext cx="10271801" cy="757514"/>
+      </dsp:txXfrm>
+    </dsp:sp>
+  </dsp:spTree>
+</dsp:drawing>
+</file>
+
+<file path=ppt/diagrams/layout1.xml><?xml version="1.0" encoding="utf-8"?>
+<dgm:layoutDef xmlns:dgm="http://schemas.openxmlformats.org/drawingml/2006/diagram" xmlns:a="http://schemas.openxmlformats.org/drawingml/2006/main" uniqueId="urn:microsoft.com/office/officeart/2005/8/layout/vList2">
+  <dgm:title val=""/>
+  <dgm:desc val=""/>
+  <dgm:catLst>
+    <dgm:cat type="list" pri="3000"/>
+    <dgm:cat type="convert" pri="1000"/>
+  </dgm:catLst>
+  <dgm:sampData>
+    <dgm:dataModel>
+      <dgm:ptLst>
+        <dgm:pt modelId="0" type="doc"/>
+        <dgm:pt modelId="1">
+          <dgm:prSet phldr="1"/>
+        </dgm:pt>
+        <dgm:pt modelId="11">
+          <dgm:prSet phldr="1"/>
+        </dgm:pt>
+        <dgm:pt modelId="2">
+          <dgm:prSet phldr="1"/>
+        </dgm:pt>
+        <dgm:pt modelId="21">
+          <dgm:prSet phldr="1"/>
+        </dgm:pt>
+      </dgm:ptLst>
+      <dgm:cxnLst>
+        <dgm:cxn modelId="4" srcId="0" destId="1" srcOrd="0" destOrd="0"/>
+        <dgm:cxn modelId="5" srcId="0" destId="2" srcOrd="1" destOrd="0"/>
+        <dgm:cxn modelId="12" srcId="1" destId="11" srcOrd="0" destOrd="0"/>
+        <dgm:cxn modelId="23" srcId="2" destId="21" srcOrd="0" destOrd="0"/>
+      </dgm:cxnLst>
+      <dgm:bg/>
+      <dgm:whole/>
+    </dgm:dataModel>
+  </dgm:sampData>
+  <dgm:styleData>
+    <dgm:dataModel>
+      <dgm:ptLst>
+        <dgm:pt modelId="0" type="doc"/>
+        <dgm:pt modelId="1"/>
+        <dgm:pt modelId="2"/>
+      </dgm:ptLst>
+      <dgm:cxnLst>
+        <dgm:cxn modelId="3" srcId="0" destId="1" srcOrd="0" destOrd="0"/>
+        <dgm:cxn modelId="4" srcId="0" destId="2" srcOrd="1" destOrd="0"/>
+      </dgm:cxnLst>
+      <dgm:bg/>
+      <dgm:whole/>
+    </dgm:dataModel>
+  </dgm:styleData>
+  <dgm:clrData>
+    <dgm:dataModel>
+      <dgm:ptLst>
+        <dgm:pt modelId="0" type="doc"/>
+        <dgm:pt modelId="1"/>
+        <dgm:pt modelId="2"/>
+        <dgm:pt modelId="3"/>
+        <dgm:pt modelId="4"/>
+      </dgm:ptLst>
+      <dgm:cxnLst>
+        <dgm:cxn modelId="5" srcId="0" destId="1" srcOrd="0" destOrd="0"/>
+        <dgm:cxn modelId="6" srcId="0" destId="2" srcOrd="1" destOrd="0"/>
+        <dgm:cxn modelId="7" srcId="0" destId="3" srcOrd="2" destOrd="0"/>
+        <dgm:cxn modelId="8" srcId="0" destId="4" srcOrd="3" destOrd="0"/>
+      </dgm:cxnLst>
+      <dgm:bg/>
+      <dgm:whole/>
+    </dgm:dataModel>
+  </dgm:clrData>
+  <dgm:layoutNode name="linear">
+    <dgm:varLst>
+      <dgm:animLvl val="lvl"/>
+      <dgm:resizeHandles val="exact"/>
+    </dgm:varLst>
+    <dgm:alg type="lin">
+      <dgm:param type="linDir" val="fromT"/>
+      <dgm:param type="vertAlign" val="mid"/>
+    </dgm:alg>
+    <dgm:shape xmlns:r="http://schemas.openxmlformats.org/officeDocument/2006/relationships" r:blip="">
+      <dgm:adjLst/>
+    </dgm:shape>
+    <dgm:presOf/>
+    <dgm:constrLst>
+      <dgm:constr type="w" for="ch" forName="parentText" refType="w"/>
+      <dgm:constr type="h" for="ch" forName="parentText" refType="primFontSz" refFor="ch" refForName="parentText" fact="0.52"/>
+      <dgm:constr type="w" for="ch" forName="childText" refType="w"/>
+      <dgm:constr type="h" for="ch" forName="childText" refType="primFontSz" refFor="ch" refForName="parentText" fact="0.46"/>
+      <dgm:constr type="h" for="ch" forName="parentText" op="equ"/>
+      <dgm:constr type="primFontSz" for="ch" forName="parentText" op="equ" val="65"/>
+      <dgm:constr type="primFontSz" for="ch" forName="childText" refType="primFontSz" refFor="ch" refForName="parentText" op="equ"/>
+      <dgm:constr type="h" for="ch" forName="spacer" refType="primFontSz" refFor="ch" refForName="parentText" fact="0.08"/>
+    </dgm:constrLst>
+    <dgm:ruleLst>
+      <dgm:rule type="primFontSz" for="ch" forName="parentText" val="5" fact="NaN" max="NaN"/>
+    </dgm:ruleLst>
+    <dgm:forEach name="Name0" axis="ch" ptType="node">
+      <dgm:layoutNode name="parentText" styleLbl="node1">
+        <dgm:varLst>
+          <dgm:chMax val="0"/>
+          <dgm:bulletEnabled val="1"/>
+        </dgm:varLst>
+        <dgm:alg type="tx">
+          <dgm:param type="parTxLTRAlign" val="l"/>
+          <dgm:param type="parTxRTLAlign" val="r"/>
+        </dgm:alg>
+        <dgm:shape xmlns:r="http://schemas.openxmlformats.org/officeDocument/2006/relationships" type="roundRect" r:blip="">
+          <dgm:adjLst/>
+        </dgm:shape>
+        <dgm:presOf axis="self"/>
+        <dgm:constrLst>
+          <dgm:constr type="tMarg" refType="primFontSz" fact="0.3"/>
+          <dgm:constr type="bMarg" refType="primFontSz" fact="0.3"/>
+          <dgm:constr type="lMarg" refType="primFontSz" fact="0.3"/>
+          <dgm:constr type="rMarg" refType="primFontSz" fact="0.3"/>
+        </dgm:constrLst>
+        <dgm:ruleLst>
+          <dgm:rule type="h" val="INF" fact="NaN" max="NaN"/>
+        </dgm:ruleLst>
+      </dgm:layoutNode>
+      <dgm:choose name="Name1">
+        <dgm:if name="Name2" axis="ch" ptType="node" func="cnt" op="gte" val="1">
+          <dgm:layoutNode name="childText" styleLbl="revTx">
+            <dgm:varLst>
+              <dgm:bulletEnabled val="1"/>
+            </dgm:varLst>
+            <dgm:alg type="tx">
+              <dgm:param type="stBulletLvl" val="1"/>
+              <dgm:param type="lnSpAfChP" val="20"/>
+            </dgm:alg>
+            <dgm:shape xmlns:r="http://schemas.openxmlformats.org/officeDocument/2006/relationships" type="rect" r:blip="">
+              <dgm:adjLst/>
+            </dgm:shape>
+            <dgm:presOf axis="des" ptType="node"/>
+            <dgm:constrLst>
+              <dgm:constr type="tMarg" refType="primFontSz" fact="0.1"/>
+              <dgm:constr type="bMarg" refType="primFontSz" fact="0.1"/>
+              <dgm:constr type="lMarg" refType="w" fact="0.09"/>
+            </dgm:constrLst>
+            <dgm:ruleLst>
+              <dgm:rule type="h" val="INF" fact="NaN" max="NaN"/>
+            </dgm:ruleLst>
+          </dgm:layoutNode>
+        </dgm:if>
+        <dgm:else name="Name3">
+          <dgm:choose name="Name4">
+            <dgm:if name="Name5" axis="par ch" ptType="doc node" func="cnt" op="gte" val="2">
+              <dgm:forEach name="Name6" axis="followSib" ptType="sibTrans" cnt="1">
+                <dgm:layoutNode name="spacer">
+                  <dgm:alg type="sp"/>
+                  <dgm:shape xmlns:r="http://schemas.openxmlformats.org/officeDocument/2006/relationships" r:blip="">
+                    <dgm:adjLst/>
+                  </dgm:shape>
+                  <dgm:presOf/>
+                  <dgm:constrLst/>
+                  <dgm:ruleLst/>
+                </dgm:layoutNode>
+              </dgm:forEach>
+            </dgm:if>
+            <dgm:else name="Name7"/>
+          </dgm:choose>
+        </dgm:else>
+      </dgm:choose>
+    </dgm:forEach>
+  </dgm:layoutNode>
+</dgm:layoutDef>
+</file>
+
+<file path=ppt/diagrams/quickStyle1.xml><?xml version="1.0" encoding="utf-8"?>
+<dgm:styleDef xmlns:dgm="http://schemas.openxmlformats.org/drawingml/2006/diagram" xmlns:a="http://schemas.openxmlformats.org/drawingml/2006/main" uniqueId="urn:microsoft.com/office/officeart/2005/8/quickstyle/simple1">
+  <dgm:title val=""/>
+  <dgm:desc val=""/>
+  <dgm:catLst>
+    <dgm:cat type="simple" pri="10100"/>
+  </dgm:catLst>
+  <dgm:scene3d>
+    <a:camera prst="orthographicFront"/>
+    <a:lightRig rig="threePt" dir="t"/>
+  </dgm:scene3d>
+  <dgm:styleLbl name="node0">
+    <dgm:scene3d>
+      <a:camera prst="orthographicFront"/>
+      <a:lightRig rig="threePt" dir="t"/>
+    </dgm:scene3d>
+    <dgm:sp3d/>
+    <dgm:txPr/>
+    <dgm:style>
+      <a:lnRef idx="2">
+        <a:scrgbClr r="0" g="0" b="0"/>
+      </a:lnRef>
+      <a:fillRef idx="1">
+        <a:scrgbClr r="0" g="0" b="0"/>
+      </a:fillRef>
+      <a:effectRef idx="0">
+        <a:scrgbClr r="0" g="0" b="0"/>
+      </a:effectRef>
+      <a:fontRef idx="minor">
+        <a:schemeClr val="lt1"/>
+      </a:fontRef>
+    </dgm:style>
+  </dgm:styleLbl>
+  <dgm:styleLbl name="lnNode1">
+    <dgm:scene3d>
+      <a:camera prst="orthographicFront"/>
+      <a:lightRig rig="threePt" dir="t"/>
+    </dgm:scene3d>
+    <dgm:sp3d/>
+    <dgm:txPr/>
+    <dgm:style>
+      <a:lnRef idx="2">
+        <a:scrgbClr r="0" g="0" b="0"/>
+      </a:lnRef>
+      <a:fillRef idx="1">
+        <a:scrgbClr r="0" g="0" b="0"/>
+      </a:fillRef>
+      <a:effectRef idx="0">
+        <a:scrgbClr r="0" g="0" b="0"/>
+      </a:effectRef>
+      <a:fontRef idx="minor">
+        <a:schemeClr val="lt1"/>
+      </a:fontRef>
+    </dgm:style>
+  </dgm:styleLbl>
+  <dgm:styleLbl name="vennNode1">
+    <dgm:scene3d>
+      <a:camera prst="orthographicFront"/>
+      <a:lightRig rig="threePt" dir="t"/>
+    </dgm:scene3d>
+    <dgm:sp3d/>
+    <dgm:txPr/>
+    <dgm:style>
+      <a:lnRef idx="2">
+        <a:scrgbClr r="0" g="0" b="0"/>
+      </a:lnRef>
+      <a:fillRef idx="1">
+        <a:scrgbClr r="0" g="0" b="0"/>
+      </a:fillRef>
+      <a:effectRef idx="0">
+        <a:scrgbClr r="0" g="0" b="0"/>
+      </a:effectRef>
+      <a:fontRef idx="minor">
+        <a:schemeClr val="tx1"/>
+      </a:fontRef>
+    </dgm:style>
+  </dgm:styleLbl>
+  <dgm:styleLbl name="alignNode1">
+    <dgm:scene3d>
+      <a:camera prst="orthographicFront"/>
+      <a:lightRig rig="threePt" dir="t"/>
+    </dgm:scene3d>
+    <dgm:sp3d/>
+    <dgm:txPr/>
+    <dgm:style>
+      <a:lnRef idx="2">
+        <a:scrgbClr r="0" g="0" b="0"/>
+      </a:lnRef>
+      <a:fillRef idx="1">
+        <a:scrgbClr r="0" g="0" b="0"/>
+      </a:fillRef>
+      <a:effectRef idx="0">
+        <a:scrgbClr r="0" g="0" b="0"/>
+      </a:effectRef>
+      <a:fontRef idx="minor">
+        <a:schemeClr val="lt1"/>
+      </a:fontRef>
+    </dgm:style>
+  </dgm:styleLbl>
+  <dgm:styleLbl name="node1">
+    <dgm:scene3d>
+      <a:camera prst="orthographicFront"/>
+      <a:lightRig rig="threePt" dir="t"/>
+    </dgm:scene3d>
+    <dgm:sp3d/>
+    <dgm:txPr/>
+    <dgm:style>
+      <a:lnRef idx="2">
+        <a:scrgbClr r="0" g="0" b="0"/>
+      </a:lnRef>
+      <a:fillRef idx="1">
+        <a:scrgbClr r="0" g="0" b="0"/>
+      </a:fillRef>
+      <a:effectRef idx="0">
+        <a:scrgbClr r="0" g="0" b="0"/>
+      </a:effectRef>
+      <a:fontRef idx="minor">
+        <a:schemeClr val="lt1"/>
+      </a:fontRef>
+    </dgm:style>
+  </dgm:styleLbl>
+  <dgm:styleLbl name="node2">
+    <dgm:scene3d>
+      <a:camera prst="orthographicFront"/>
+      <a:lightRig rig="threePt" dir="t"/>
+    </dgm:scene3d>
+    <dgm:sp3d/>
+    <dgm:txPr/>
+    <dgm:style>
+      <a:lnRef idx="2">
+        <a:scrgbClr r="0" g="0" b="0"/>
+      </a:lnRef>
+      <a:fillRef idx="1">
+        <a:scrgbClr r="0" g="0" b="0"/>
+      </a:fillRef>
+      <a:effectRef idx="0">
+        <a:scrgbClr r="0" g="0" b="0"/>
+      </a:effectRef>
+      <a:fontRef idx="minor">
+        <a:schemeClr val="lt1"/>
+      </a:fontRef>
+    </dgm:style>
+  </dgm:styleLbl>
+  <dgm:styleLbl name="node3">
+    <dgm:scene3d>
+      <a:camera prst="orthographicFront"/>
+      <a:lightRig rig="threePt" dir="t"/>
+    </dgm:scene3d>
+    <dgm:sp3d/>
+    <dgm:txPr/>
+    <dgm:style>
+      <a:lnRef idx="2">
+        <a:scrgbClr r="0" g="0" b="0"/>
+      </a:lnRef>
+      <a:fillRef idx="1">
+        <a:scrgbClr r="0" g="0" b="0"/>
+      </a:fillRef>
+      <a:effectRef idx="0">
+        <a:scrgbClr r="0" g="0" b="0"/>
+      </a:effectRef>
+      <a:fontRef idx="minor">
+        <a:schemeClr val="lt1"/>
+      </a:fontRef>
+    </dgm:style>
+  </dgm:styleLbl>
+  <dgm:styleLbl name="node4">
+    <dgm:scene3d>
+      <a:camera prst="orthographicFront"/>
+      <a:lightRig rig="threePt" dir="t"/>
+    </dgm:scene3d>
+    <dgm:sp3d/>
+    <dgm:txPr/>
+    <dgm:style>
+      <a:lnRef idx="2">
+        <a:scrgbClr r="0" g="0" b="0"/>
+      </a:lnRef>
+      <a:fillRef idx="1">
+        <a:scrgbClr r="0" g="0" b="0"/>
+      </a:fillRef>
+      <a:effectRef idx="0">
+        <a:scrgbClr r="0" g="0" b="0"/>
+      </a:effectRef>
+      <a:fontRef idx="minor">
+        <a:schemeClr val="lt1"/>
+      </a:fontRef>
+    </dgm:style>
+  </dgm:styleLbl>
+  <dgm:styleLbl name="fgImgPlace1">
+    <dgm:scene3d>
+      <a:camera prst="orthographicFront"/>
+      <a:lightRig rig="threePt" dir="t"/>
+    </dgm:scene3d>
+    <dgm:sp3d/>
+    <dgm:txPr/>
+    <dgm:style>
+      <a:lnRef idx="2">
+        <a:scrgbClr r="0" g="0" b="0"/>
+      </a:lnRef>
+      <a:fillRef idx="1">
+        <a:scrgbClr r="0" g="0" b="0"/>
+      </a:fillRef>
+      <a:effectRef idx="0">
+        <a:scrgbClr r="0" g="0" b="0"/>
+      </a:effectRef>
+      <a:fontRef idx="minor"/>
+    </dgm:style>
+  </dgm:styleLbl>
+  <dgm:styleLbl name="alignImgPlace1">
+    <dgm:scene3d>
+      <a:camera prst="orthographicFront"/>
+      <a:lightRig rig="threePt" dir="t"/>
+    </dgm:scene3d>
+    <dgm:sp3d/>
+    <dgm:txPr/>
+    <dgm:style>
+      <a:lnRef idx="2">
+        <a:scrgbClr r="0" g="0" b="0"/>
+      </a:lnRef>
+      <a:fillRef idx="1">
+        <a:scrgbClr r="0" g="0" b="0"/>
+      </a:fillRef>
+      <a:effectRef idx="0">
+        <a:scrgbClr r="0" g="0" b="0"/>
+      </a:effectRef>
+      <a:fontRef idx="minor"/>
+    </dgm:style>
+  </dgm:styleLbl>
+  <dgm:styleLbl name="bgImgPlace1">
+    <dgm:scene3d>
+      <a:camera prst="orthographicFront"/>
+      <a:lightRig rig="threePt" dir="t"/>
+    </dgm:scene3d>
+    <dgm:sp3d/>
+    <dgm:txPr/>
+    <dgm:style>
+      <a:lnRef idx="2">
+        <a:scrgbClr r="0" g="0" b="0"/>
+      </a:lnRef>
+      <a:fillRef idx="1">
+        <a:scrgbClr r="0" g="0" b="0"/>
+      </a:fillRef>
+      <a:effectRef idx="0">
+        <a:scrgbClr r="0" g="0" b="0"/>
+      </a:effectRef>
+      <a:fontRef idx="minor"/>
+    </dgm:style>
+  </dgm:styleLbl>
+  <dgm:styleLbl name="sibTrans2D1">
+    <dgm:scene3d>
+      <a:camera prst="orthographicFront"/>
+      <a:lightRig rig="threePt" dir="t"/>
+    </dgm:scene3d>
+    <dgm:sp3d/>
+    <dgm:txPr/>
+    <dgm:style>
+      <a:lnRef idx="0">
+        <a:scrgbClr r="0" g="0" b="0"/>
+      </a:lnRef>
+      <a:fillRef idx="1">
+        <a:scrgbClr r="0" g="0" b="0"/>
+      </a:fillRef>
+      <a:effectRef idx="0">
+        <a:scrgbClr r="0" g="0" b="0"/>
+      </a:effectRef>
+      <a:fontRef idx="minor">
+        <a:schemeClr val="lt1"/>
+      </a:fontRef>
+    </dgm:style>
+  </dgm:styleLbl>
+  <dgm:styleLbl name="fgSibTrans2D1">
+    <dgm:scene3d>
+      <a:camera prst="orthographicFront"/>
+      <a:lightRig rig="threePt" dir="t"/>
+    </dgm:scene3d>
+    <dgm:sp3d/>
+    <dgm:txPr/>
+    <dgm:style>
+      <a:lnRef idx="0">
+        <a:scrgbClr r="0" g="0" b="0"/>
+      </a:lnRef>
+      <a:fillRef idx="1">
+        <a:scrgbClr r="0" g="0" b="0"/>
+      </a:fillRef>
+      <a:effectRef idx="0">
+        <a:scrgbClr r="0" g="0" b="0"/>
+      </a:effectRef>
+      <a:fontRef idx="minor">
+        <a:schemeClr val="lt1"/>
+      </a:fontRef>
+    </dgm:style>
+  </dgm:styleLbl>
+  <dgm:styleLbl name="bgSibTrans2D1">
+    <dgm:scene3d>
+      <a:camera prst="orthographicFront"/>
+      <a:lightRig rig="threePt" dir="t"/>
+    </dgm:scene3d>
+    <dgm:sp3d/>
+    <dgm:txPr/>
+    <dgm:style>
+      <a:lnRef idx="0">
+        <a:scrgbClr r="0" g="0" b="0"/>
+      </a:lnRef>
+      <a:fillRef idx="1">
+        <a:scrgbClr r="0" g="0" b="0"/>
+      </a:fillRef>
+      <a:effectRef idx="0">
+        <a:scrgbClr r="0" g="0" b="0"/>
+      </a:effectRef>
+      <a:fontRef idx="minor">
+        <a:schemeClr val="lt1"/>
+      </a:fontRef>
+    </dgm:style>
+  </dgm:styleLbl>
+  <dgm:styleLbl name="sibTrans1D1">
+    <dgm:scene3d>
+      <a:camera prst="orthographicFront"/>
+      <a:lightRig rig="threePt" dir="t"/>
+    </dgm:scene3d>
+    <dgm:sp3d/>
+    <dgm:txPr/>
+    <dgm:style>
+      <a:lnRef idx="1">
+        <a:scrgbClr r="0" g="0" b="0"/>
+      </a:lnRef>
+      <a:fillRef idx="0">
+        <a:scrgbClr r="0" g="0" b="0"/>
+      </a:fillRef>
+      <a:effectRef idx="0">
+        <a:scrgbClr r="0" g="0" b="0"/>
+      </a:effectRef>
+      <a:fontRef idx="minor"/>
+    </dgm:style>
+  </dgm:styleLbl>
+  <dgm:styleLbl name="callout">
+    <dgm:scene3d>
+      <a:camera prst="orthographicFront"/>
+      <a:lightRig rig="threePt" dir="t"/>
+    </dgm:scene3d>
+    <dgm:sp3d/>
+    <dgm:txPr/>
+    <dgm:style>
+      <a:lnRef idx="2">
+        <a:scrgbClr r="0" g="0" b="0"/>
+      </a:lnRef>
+      <a:fillRef idx="1">
+        <a:scrgbClr r="0" g="0" b="0"/>
+      </a:fillRef>
+      <a:effectRef idx="0">
+        <a:scrgbClr r="0" g="0" b="0"/>
+      </a:effectRef>
+      <a:fontRef idx="minor"/>
+    </dgm:style>
+  </dgm:styleLbl>
+  <dgm:styleLbl name="asst0">
+    <dgm:scene3d>
+      <a:camera prst="orthographicFront"/>
+      <a:lightRig rig="threePt" dir="t"/>
+    </dgm:scene3d>
+    <dgm:sp3d/>
+    <dgm:txPr/>
+    <dgm:style>
+      <a:lnRef idx="2">
+        <a:scrgbClr r="0" g="0" b="0"/>
+      </a:lnRef>
+      <a:fillRef idx="1">
+        <a:scrgbClr r="0" g="0" b="0"/>
+      </a:fillRef>
+      <a:effectRef idx="0">
+        <a:scrgbClr r="0" g="0" b="0"/>
+      </a:effectRef>
+      <a:fontRef idx="minor">
+        <a:schemeClr val="lt1"/>
+      </a:fontRef>
+    </dgm:style>
+  </dgm:styleLbl>
+  <dgm:styleLbl name="asst1">
+    <dgm:scene3d>
+      <a:camera prst="orthographicFront"/>
+      <a:lightRig rig="threePt" dir="t"/>
+    </dgm:scene3d>
+    <dgm:sp3d/>
+    <dgm:txPr/>
+    <dgm:style>
+      <a:lnRef idx="2">
+        <a:scrgbClr r="0" g="0" b="0"/>
+      </a:lnRef>
+      <a:fillRef idx="1">
+        <a:scrgbClr r="0" g="0" b="0"/>
+      </a:fillRef>
+      <a:effectRef idx="0">
+        <a:scrgbClr r="0" g="0" b="0"/>
+      </a:effectRef>
+      <a:fontRef idx="minor">
+        <a:schemeClr val="lt1"/>
+      </a:fontRef>
+    </dgm:style>
+  </dgm:styleLbl>
+  <dgm:styleLbl name="asst2">
+    <dgm:scene3d>
+      <a:camera prst="orthographicFront"/>
+      <a:lightRig rig="threePt" dir="t"/>
+    </dgm:scene3d>
+    <dgm:sp3d/>
+    <dgm:txPr/>
+    <dgm:style>
+      <a:lnRef idx="2">
+        <a:scrgbClr r="0" g="0" b="0"/>
+      </a:lnRef>
+      <a:fillRef idx="1">
+        <a:scrgbClr r="0" g="0" b="0"/>
+      </a:fillRef>
+      <a:effectRef idx="0">
+        <a:scrgbClr r="0" g="0" b="0"/>
+      </a:effectRef>
+      <a:fontRef idx="minor">
+        <a:schemeClr val="lt1"/>
+      </a:fontRef>
+    </dgm:style>
+  </dgm:styleLbl>
+  <dgm:styleLbl name="asst3">
+    <dgm:scene3d>
+      <a:camera prst="orthographicFront"/>
+      <a:lightRig rig="threePt" dir="t"/>
+    </dgm:scene3d>
+    <dgm:sp3d/>
+    <dgm:txPr/>
+    <dgm:style>
+      <a:lnRef idx="2">
+        <a:scrgbClr r="0" g="0" b="0"/>
+      </a:lnRef>
+      <a:fillRef idx="1">
+        <a:scrgbClr r="0" g="0" b="0"/>
+      </a:fillRef>
+      <a:effectRef idx="0">
+        <a:scrgbClr r="0" g="0" b="0"/>
+      </a:effectRef>
+      <a:fontRef idx="minor">
+        <a:schemeClr val="lt1"/>
+      </a:fontRef>
+    </dgm:style>
+  </dgm:styleLbl>
+  <dgm:styleLbl name="asst4">
+    <dgm:scene3d>
+      <a:camera prst="orthographicFront"/>
+      <a:lightRig rig="threePt" dir="t"/>
+    </dgm:scene3d>
+    <dgm:sp3d/>
+    <dgm:txPr/>
+    <dgm:style>
+      <a:lnRef idx="2">
+        <a:scrgbClr r="0" g="0" b="0"/>
+      </a:lnRef>
+      <a:fillRef idx="1">
+        <a:scrgbClr r="0" g="0" b="0"/>
+      </a:fillRef>
+      <a:effectRef idx="0">
+        <a:scrgbClr r="0" g="0" b="0"/>
+      </a:effectRef>
+      <a:fontRef idx="minor">
+        <a:schemeClr val="lt1"/>
+      </a:fontRef>
+    </dgm:style>
+  </dgm:styleLbl>
+  <dgm:styleLbl name="parChTrans2D1">
+    <dgm:scene3d>
+      <a:camera prst="orthographicFront"/>
+      <a:lightRig rig="threePt" dir="t"/>
+    </dgm:scene3d>
+    <dgm:sp3d/>
+    <dgm:txPr/>
+    <dgm:style>
+      <a:lnRef idx="2">
+        <a:scrgbClr r="0" g="0" b="0"/>
+      </a:lnRef>
+      <a:fillRef idx="1">
+        <a:scrgbClr r="0" g="0" b="0"/>
+      </a:fillRef>
+      <a:effectRef idx="0">
+        <a:scrgbClr r="0" g="0" b="0"/>
+      </a:effectRef>
+      <a:fontRef idx="minor">
+        <a:schemeClr val="lt1"/>
+      </a:fontRef>
+    </dgm:style>
+  </dgm:styleLbl>
+  <dgm:styleLbl name="parChTrans2D2">
+    <dgm:scene3d>
+      <a:camera prst="orthographicFront"/>
+      <a:lightRig rig="threePt" dir="t"/>
+    </dgm:scene3d>
+    <dgm:sp3d/>
+    <dgm:txPr/>
+    <dgm:style>
+      <a:lnRef idx="2">
+        <a:scrgbClr r="0" g="0" b="0"/>
+      </a:lnRef>
+      <a:fillRef idx="1">
+        <a:scrgbClr r="0" g="0" b="0"/>
+      </a:fillRef>
+      <a:effectRef idx="0">
+        <a:scrgbClr r="0" g="0" b="0"/>
+      </a:effectRef>
+      <a:fontRef idx="minor">
+        <a:schemeClr val="lt1"/>
+      </a:fontRef>
+    </dgm:style>
+  </dgm:styleLbl>
+  <dgm:styleLbl name="parChTrans2D3">
+    <dgm:scene3d>
+      <a:camera prst="orthographicFront"/>
+      <a:lightRig rig="threePt" dir="t"/>
+    </dgm:scene3d>
+    <dgm:sp3d/>
+    <dgm:txPr/>
+    <dgm:style>
+      <a:lnRef idx="2">
+        <a:scrgbClr r="0" g="0" b="0"/>
+      </a:lnRef>
+      <a:fillRef idx="1">
+        <a:scrgbClr r="0" g="0" b="0"/>
+      </a:fillRef>
+      <a:effectRef idx="0">
+        <a:scrgbClr r="0" g="0" b="0"/>
+      </a:effectRef>
+      <a:fontRef idx="minor">
+        <a:schemeClr val="lt1"/>
+      </a:fontRef>
+    </dgm:style>
+  </dgm:styleLbl>
+  <dgm:styleLbl name="parChTrans2D4">
+    <dgm:scene3d>
+      <a:camera prst="orthographicFront"/>
+      <a:lightRig rig="threePt" dir="t"/>
+    </dgm:scene3d>
+    <dgm:sp3d/>
+    <dgm:txPr/>
+    <dgm:style>
+      <a:lnRef idx="2">
+        <a:scrgbClr r="0" g="0" b="0"/>
+      </a:lnRef>
+      <a:fillRef idx="1">
+        <a:scrgbClr r="0" g="0" b="0"/>
+      </a:fillRef>
+      <a:effectRef idx="0">
+        <a:scrgbClr r="0" g="0" b="0"/>
+      </a:effectRef>
+      <a:fontRef idx="minor">
+        <a:schemeClr val="lt1"/>
+      </a:fontRef>
+    </dgm:style>
+  </dgm:styleLbl>
+  <dgm:styleLbl name="parChTrans1D1">
+    <dgm:scene3d>
+      <a:camera prst="orthographicFront"/>
+      <a:lightRig rig="threePt" dir="t"/>
+    </dgm:scene3d>
+    <dgm:sp3d/>
+    <dgm:txPr/>
+    <dgm:style>
+      <a:lnRef idx="2">
+        <a:scrgbClr r="0" g="0" b="0"/>
+      </a:lnRef>
+      <a:fillRef idx="0">
+        <a:scrgbClr r="0" g="0" b="0"/>
+      </a:fillRef>
+      <a:effectRef idx="0">
+        <a:scrgbClr r="0" g="0" b="0"/>
+      </a:effectRef>
+      <a:fontRef idx="minor"/>
+    </dgm:style>
+  </dgm:styleLbl>
+  <dgm:styleLbl name="parChTrans1D2">
+    <dgm:scene3d>
+      <a:camera prst="orthographicFront"/>
+      <a:lightRig rig="threePt" dir="t"/>
+    </dgm:scene3d>
+    <dgm:sp3d/>
+    <dgm:txPr/>
+    <dgm:style>
+      <a:lnRef idx="2">
+        <a:scrgbClr r="0" g="0" b="0"/>
+      </a:lnRef>
+      <a:fillRef idx="0">
+        <a:scrgbClr r="0" g="0" b="0"/>
+      </a:fillRef>
+      <a:effectRef idx="0">
+        <a:scrgbClr r="0" g="0" b="0"/>
+      </a:effectRef>
+      <a:fontRef idx="minor"/>
+    </dgm:style>
+  </dgm:styleLbl>
+  <dgm:styleLbl name="parChTrans1D3">
+    <dgm:scene3d>
+      <a:camera prst="orthographicFront"/>
+      <a:lightRig rig="threePt" dir="t"/>
+    </dgm:scene3d>
+    <dgm:sp3d/>
+    <dgm:txPr/>
+    <dgm:style>
+      <a:lnRef idx="2">
+        <a:scrgbClr r="0" g="0" b="0"/>
+      </a:lnRef>
+      <a:fillRef idx="0">
+        <a:scrgbClr r="0" g="0" b="0"/>
+      </a:fillRef>
+      <a:effectRef idx="0">
+        <a:scrgbClr r="0" g="0" b="0"/>
+      </a:effectRef>
+      <a:fontRef idx="minor"/>
+    </dgm:style>
+  </dgm:styleLbl>
+  <dgm:styleLbl name="parChTrans1D4">
+    <dgm:scene3d>
+      <a:camera prst="orthographicFront"/>
+      <a:lightRig rig="threePt" dir="t"/>
+    </dgm:scene3d>
+    <dgm:sp3d/>
+    <dgm:txPr/>
+    <dgm:style>
+      <a:lnRef idx="2">
+        <a:scrgbClr r="0" g="0" b="0"/>
+      </a:lnRef>
+      <a:fillRef idx="0">
+        <a:scrgbClr r="0" g="0" b="0"/>
+      </a:fillRef>
+      <a:effectRef idx="0">
+        <a:scrgbClr r="0" g="0" b="0"/>
+      </a:effectRef>
+      <a:fontRef idx="minor"/>
+    </dgm:style>
+  </dgm:styleLbl>
+  <dgm:styleLbl name="fgAcc1">
+    <dgm:scene3d>
+      <a:camera prst="orthographicFront"/>
+      <a:lightRig rig="threePt" dir="t"/>
+    </dgm:scene3d>
+    <dgm:sp3d/>
+    <dgm:txPr/>
+    <dgm:style>
+      <a:lnRef idx="2">
+        <a:scrgbClr r="0" g="0" b="0"/>
+      </a:lnRef>
+      <a:fillRef idx="1">
+        <a:scrgbClr r="0" g="0" b="0"/>
+      </a:fillRef>
+      <a:effectRef idx="0">
+        <a:scrgbClr r="0" g="0" b="0"/>
+      </a:effectRef>
+      <a:fontRef idx="minor"/>
+    </dgm:style>
+  </dgm:styleLbl>
+  <dgm:styleLbl name="conFgAcc1">
+    <dgm:scene3d>
+      <a:camera prst="orthographicFront"/>
+      <a:lightRig rig="threePt" dir="t"/>
+    </dgm:scene3d>
+    <dgm:sp3d/>
+    <dgm:txPr/>
+    <dgm:style>
+      <a:lnRef idx="2">
+        <a:scrgbClr r="0" g="0" b="0"/>
+      </a:lnRef>
+      <a:fillRef idx="1">
+        <a:scrgbClr r="0" g="0" b="0"/>
+      </a:fillRef>
+      <a:effectRef idx="0">
+        <a:scrgbClr r="0" g="0" b="0"/>
+      </a:effectRef>
+      <a:fontRef idx="minor"/>
+    </dgm:style>
+  </dgm:styleLbl>
+  <dgm:styleLbl name="alignAcc1">
+    <dgm:scene3d>
+      <a:camera prst="orthographicFront"/>
+      <a:lightRig rig="threePt" dir="t"/>
+    </dgm:scene3d>
+    <dgm:sp3d/>
+    <dgm:txPr/>
+    <dgm:style>
+      <a:lnRef idx="2">
+        <a:scrgbClr r="0" g="0" b="0"/>
+      </a:lnRef>
+      <a:fillRef idx="1">
+        <a:scrgbClr r="0" g="0" b="0"/>
+      </a:fillRef>
+      <a:effectRef idx="0">
+        <a:scrgbClr r="0" g="0" b="0"/>
+      </a:effectRef>
+      <a:fontRef idx="minor"/>
+    </dgm:style>
+  </dgm:styleLbl>
+  <dgm:styleLbl name="trAlignAcc1">
+    <dgm:scene3d>
+      <a:camera prst="orthographicFront"/>
+      <a:lightRig rig="threePt" dir="t"/>
+    </dgm:scene3d>
+    <dgm:sp3d/>
+    <dgm:txPr/>
+    <dgm:style>
+      <a:lnRef idx="1">
+        <a:scrgbClr r="0" g="0" b="0"/>
+      </a:lnRef>
+      <a:fillRef idx="1">
+        <a:scrgbClr r="0" g="0" b="0"/>
+      </a:fillRef>
+      <a:effectRef idx="0">
+        <a:scrgbClr r="0" g="0" b="0"/>
+      </a:effectRef>
+      <a:fontRef idx="minor"/>
+    </dgm:style>
+  </dgm:styleLbl>
+  <dgm:styleLbl name="bgAcc1">
+    <dgm:scene3d>
+      <a:camera prst="orthographicFront"/>
+      <a:lightRig rig="threePt" dir="t"/>
+    </dgm:scene3d>
+    <dgm:sp3d/>
+    <dgm:txPr/>
+    <dgm:style>
+      <a:lnRef idx="2">
+        <a:scrgbClr r="0" g="0" b="0"/>
+      </a:lnRef>
+      <a:fillRef idx="1">
+        <a:scrgbClr r="0" g="0" b="0"/>
+      </a:fillRef>
+      <a:effectRef idx="0">
+        <a:scrgbClr r="0" g="0" b="0"/>
+      </a:effectRef>
+      <a:fontRef idx="minor"/>
+    </dgm:style>
+  </dgm:styleLbl>
+  <dgm:styleLbl name="solidFgAcc1">
+    <dgm:scene3d>
+      <a:camera prst="orthographicFront"/>
+      <a:lightRig rig="threePt" dir="t"/>
+    </dgm:scene3d>
+    <dgm:sp3d/>
+    <dgm:txPr/>
+    <dgm:style>
+      <a:lnRef idx="2">
+        <a:scrgbClr r="0" g="0" b="0"/>
+      </a:lnRef>
+      <a:fillRef idx="1">
+        <a:scrgbClr r="0" g="0" b="0"/>
+      </a:fillRef>
+      <a:effectRef idx="0">
+        <a:scrgbClr r="0" g="0" b="0"/>
+      </a:effectRef>
+      <a:fontRef idx="minor"/>
+    </dgm:style>
+  </dgm:styleLbl>
+  <dgm:styleLbl name="solidAlignAcc1">
+    <dgm:scene3d>
+      <a:camera prst="orthographicFront"/>
+      <a:lightRig rig="threePt" dir="t"/>
+    </dgm:scene3d>
+    <dgm:sp3d/>
+    <dgm:txPr/>
+    <dgm:style>
+      <a:lnRef idx="2">
+        <a:scrgbClr r="0" g="0" b="0"/>
+      </a:lnRef>
+      <a:fillRef idx="1">
+        <a:scrgbClr r="0" g="0" b="0"/>
+      </a:fillRef>
+      <a:effectRef idx="0">
+        <a:scrgbClr r="0" g="0" b="0"/>
+      </a:effectRef>
+      <a:fontRef idx="minor"/>
+    </dgm:style>
+  </dgm:styleLbl>
+  <dgm:styleLbl name="solidBgAcc1">
+    <dgm:scene3d>
+      <a:camera prst="orthographicFront"/>
+      <a:lightRig rig="threePt" dir="t"/>
+    </dgm:scene3d>
+    <dgm:sp3d/>
+    <dgm:txPr/>
+    <dgm:style>
+      <a:lnRef idx="2">
+        <a:scrgbClr r="0" g="0" b="0"/>
+      </a:lnRef>
+      <a:fillRef idx="1">
+        <a:scrgbClr r="0" g="0" b="0"/>
+      </a:fillRef>
+      <a:effectRef idx="0">
+        <a:scrgbClr r="0" g="0" b="0"/>
+      </a:effectRef>
+      <a:fontRef idx="minor"/>
+    </dgm:style>
+  </dgm:styleLbl>
+  <dgm:styleLbl name="fgAccFollowNode1">
+    <dgm:scene3d>
+      <a:camera prst="orthographicFront"/>
+      <a:lightRig rig="threePt" dir="t"/>
+    </dgm:scene3d>
+    <dgm:sp3d/>
+    <dgm:txPr/>
+    <dgm:style>
+      <a:lnRef idx="2">
+        <a:scrgbClr r="0" g="0" b="0"/>
+      </a:lnRef>
+      <a:fillRef idx="1">
+        <a:scrgbClr r="0" g="0" b="0"/>
+      </a:fillRef>
+      <a:effectRef idx="0">
+        <a:scrgbClr r="0" g="0" b="0"/>
+      </a:effectRef>
+      <a:fontRef idx="minor"/>
+    </dgm:style>
+  </dgm:styleLbl>
+  <dgm:styleLbl name="alignAccFollowNode1">
+    <dgm:scene3d>
+      <a:camera prst="orthographicFront"/>
+      <a:lightRig rig="threePt" dir="t"/>
+    </dgm:scene3d>
+    <dgm:sp3d/>
+    <dgm:txPr/>
+    <dgm:style>
+      <a:lnRef idx="2">
+        <a:scrgbClr r="0" g="0" b="0"/>
+      </a:lnRef>
+      <a:fillRef idx="1">
+        <a:scrgbClr r="0" g="0" b="0"/>
+      </a:fillRef>
+      <a:effectRef idx="0">
+        <a:scrgbClr r="0" g="0" b="0"/>
+      </a:effectRef>
+      <a:fontRef idx="minor"/>
+    </dgm:style>
+  </dgm:styleLbl>
+  <dgm:styleLbl name="bgAccFollowNode1">
+    <dgm:scene3d>
+      <a:camera prst="orthographicFront"/>
+      <a:lightRig rig="threePt" dir="t"/>
+    </dgm:scene3d>
+    <dgm:sp3d/>
+    <dgm:txPr/>
+    <dgm:style>
+      <a:lnRef idx="2">
+        <a:scrgbClr r="0" g="0" b="0"/>
+      </a:lnRef>
+      <a:fillRef idx="1">
+        <a:scrgbClr r="0" g="0" b="0"/>
+      </a:fillRef>
+      <a:effectRef idx="0">
+        <a:scrgbClr r="0" g="0" b="0"/>
+      </a:effectRef>
+      <a:fontRef idx="minor"/>
+    </dgm:style>
+  </dgm:styleLbl>
+  <dgm:styleLbl name="fgAcc0">
+    <dgm:scene3d>
+      <a:camera prst="orthographicFront"/>
+      <a:lightRig rig="threePt" dir="t"/>
+    </dgm:scene3d>
+    <dgm:sp3d/>
+    <dgm:txPr/>
+    <dgm:style>
+      <a:lnRef idx="2">
+        <a:scrgbClr r="0" g="0" b="0"/>
+      </a:lnRef>
+      <a:fillRef idx="1">
+        <a:scrgbClr r="0" g="0" b="0"/>
+      </a:fillRef>
+      <a:effectRef idx="0">
+        <a:scrgbClr r="0" g="0" b="0"/>
+      </a:effectRef>
+      <a:fontRef idx="minor"/>
+    </dgm:style>
+  </dgm:styleLbl>
+  <dgm:styleLbl name="fgAcc2">
+    <dgm:scene3d>
+      <a:camera prst="orthographicFront"/>
+      <a:lightRig rig="threePt" dir="t"/>
+    </dgm:scene3d>
+    <dgm:sp3d/>
+    <dgm:txPr/>
+    <dgm:style>
+      <a:lnRef idx="2">
+        <a:scrgbClr r="0" g="0" b="0"/>
+      </a:lnRef>
+      <a:fillRef idx="1">
+        <a:scrgbClr r="0" g="0" b="0"/>
+      </a:fillRef>
+      <a:effectRef idx="0">
+        <a:scrgbClr r="0" g="0" b="0"/>
+      </a:effectRef>
+      <a:fontRef idx="minor"/>
+    </dgm:style>
+  </dgm:styleLbl>
+  <dgm:styleLbl name="fgAcc3">
+    <dgm:scene3d>
+      <a:camera prst="orthographicFront"/>
+      <a:lightRig rig="threePt" dir="t"/>
+    </dgm:scene3d>
+    <dgm:sp3d/>
+    <dgm:txPr/>
+    <dgm:style>
+      <a:lnRef idx="2">
+        <a:scrgbClr r="0" g="0" b="0"/>
+      </a:lnRef>
+      <a:fillRef idx="1">
+        <a:scrgbClr r="0" g="0" b="0"/>
+      </a:fillRef>
+      <a:effectRef idx="0">
+        <a:scrgbClr r="0" g="0" b="0"/>
+      </a:effectRef>
+      <a:fontRef idx="minor"/>
+    </dgm:style>
+  </dgm:styleLbl>
+  <dgm:styleLbl name="fgAcc4">
+    <dgm:scene3d>
+      <a:camera prst="orthographicFront"/>
+      <a:lightRig rig="threePt" dir="t"/>
+    </dgm:scene3d>
+    <dgm:sp3d/>
+    <dgm:txPr/>
+    <dgm:style>
+      <a:lnRef idx="2">
+        <a:scrgbClr r="0" g="0" b="0"/>
+      </a:lnRef>
+      <a:fillRef idx="1">
+        <a:scrgbClr r="0" g="0" b="0"/>
+      </a:fillRef>
+      <a:effectRef idx="0">
+        <a:scrgbClr r="0" g="0" b="0"/>
+      </a:effectRef>
+      <a:fontRef idx="minor"/>
+    </dgm:style>
+  </dgm:styleLbl>
+  <dgm:styleLbl name="bgShp">
+    <dgm:scene3d>
+      <a:camera prst="orthographicFront"/>
+      <a:lightRig rig="threePt" dir="t"/>
+    </dgm:scene3d>
+    <dgm:sp3d/>
+    <dgm:txPr/>
+    <dgm:style>
+      <a:lnRef idx="0">
+        <a:scrgbClr r="0" g="0" b="0"/>
+      </a:lnRef>
+      <a:fillRef idx="1">
+        <a:scrgbClr r="0" g="0" b="0"/>
+      </a:fillRef>
+      <a:effectRef idx="0">
+        <a:scrgbClr r="0" g="0" b="0"/>
+      </a:effectRef>
+      <a:fontRef idx="minor"/>
+    </dgm:style>
+  </dgm:styleLbl>
+  <dgm:styleLbl name="dkBgShp">
+    <dgm:scene3d>
+      <a:camera prst="orthographicFront"/>
+      <a:lightRig rig="threePt" dir="t"/>
+    </dgm:scene3d>
+    <dgm:sp3d/>
+    <dgm:txPr/>
+    <dgm:style>
+      <a:lnRef idx="0">
+        <a:scrgbClr r="0" g="0" b="0"/>
+      </a:lnRef>
+      <a:fillRef idx="1">
+        <a:scrgbClr r="0" g="0" b="0"/>
+      </a:fillRef>
+      <a:effectRef idx="0">
+        <a:scrgbClr r="0" g="0" b="0"/>
+      </a:effectRef>
+      <a:fontRef idx="minor"/>
+    </dgm:style>
+  </dgm:styleLbl>
+  <dgm:styleLbl name="trBgShp">
+    <dgm:scene3d>
+      <a:camera prst="orthographicFront"/>
+      <a:lightRig rig="threePt" dir="t"/>
+    </dgm:scene3d>
+    <dgm:sp3d/>
+    <dgm:txPr/>
+    <dgm:style>
+      <a:lnRef idx="0">
+        <a:scrgbClr r="0" g="0" b="0"/>
+      </a:lnRef>
+      <a:fillRef idx="1">
+        <a:scrgbClr r="0" g="0" b="0"/>
+      </a:fillRef>
+      <a:effectRef idx="0">
+        <a:scrgbClr r="0" g="0" b="0"/>
+      </a:effectRef>
+      <a:fontRef idx="minor"/>
+    </dgm:style>
+  </dgm:styleLbl>
+  <dgm:styleLbl name="fgShp">
+    <dgm:scene3d>
+      <a:camera prst="orthographicFront"/>
+      <a:lightRig rig="threePt" dir="t"/>
+    </dgm:scene3d>
+    <dgm:sp3d/>
+    <dgm:txPr/>
+    <dgm:style>
+      <a:lnRef idx="2">
+        <a:scrgbClr r="0" g="0" b="0"/>
+      </a:lnRef>
+      <a:fillRef idx="1">
+        <a:scrgbClr r="0" g="0" b="0"/>
+      </a:fillRef>
+      <a:effectRef idx="0">
+        <a:scrgbClr r="0" g="0" b="0"/>
+      </a:effectRef>
+      <a:fontRef idx="minor"/>
+    </dgm:style>
+  </dgm:styleLbl>
+  <dgm:styleLbl name="revTx">
+    <dgm:scene3d>
+      <a:camera prst="orthographicFront"/>
+      <a:lightRig rig="threePt" dir="t"/>
+    </dgm:scene3d>
+    <dgm:sp3d/>
+    <dgm:txPr/>
+    <dgm:style>
+      <a:lnRef idx="0">
+        <a:scrgbClr r="0" g="0" b="0"/>
+      </a:lnRef>
+      <a:fillRef idx="0">
+        <a:scrgbClr r="0" g="0" b="0"/>
+      </a:fillRef>
+      <a:effectRef idx="0">
+        <a:scrgbClr r="0" g="0" b="0"/>
+      </a:effectRef>
+      <a:fontRef idx="minor"/>
+    </dgm:style>
+  </dgm:styleLbl>
+</dgm:styleDef>
 </file>
 
 <file path=ppt/notesMasters/notesMaster1.xml><?xml version="1.0" encoding="utf-8"?>
@@ -7276,65 +9788,32 @@
           </a:p>
         </p:txBody>
       </p:sp>
-      <p:sp>
-        <p:nvSpPr>
-          <p:cNvPr id="3" name="Content Placeholder 2">
+      <p:graphicFrame>
+        <p:nvGraphicFramePr>
+          <p:cNvPr id="6" name="Content Placeholder 2">
             <a:extLst>
               <a:ext uri="{FF2B5EF4-FFF2-40B4-BE49-F238E27FC236}">
-                <a16:creationId xmlns:a16="http://schemas.microsoft.com/office/drawing/2014/main" id="{2A144FBF-9191-4D8E-A300-2E2E3537B99C}"/>
+                <a16:creationId xmlns:a16="http://schemas.microsoft.com/office/drawing/2014/main" id="{4A49B53A-17E6-8AB0-E313-7FA4FF1206A8}"/>
               </a:ext>
             </a:extLst>
           </p:cNvPr>
-          <p:cNvSpPr>
-            <a:spLocks noGrp="1"/>
-          </p:cNvSpPr>
+          <p:cNvGraphicFramePr>
+            <a:graphicFrameLocks noGrp="1"/>
+          </p:cNvGraphicFramePr>
           <p:nvPr>
             <p:ph idx="1"/>
           </p:nvPr>
-        </p:nvSpPr>
-        <p:spPr>
-          <a:xfrm>
-            <a:off x="919119" y="2204197"/>
-            <a:ext cx="10353762" cy="3714749"/>
-          </a:xfrm>
-        </p:spPr>
-        <p:txBody>
-          <a:bodyPr/>
-          <a:lstStyle/>
-          <a:p>
-            <a:r>
-              <a:rPr lang="en-US" dirty="0"/>
-              <a:t>Kuma Lin: Accounting Manager</a:t>
-            </a:r>
-          </a:p>
-          <a:p>
-            <a:r>
-              <a:rPr lang="en-US" dirty="0"/>
-              <a:t>Mike </a:t>
-            </a:r>
-            <a:r>
-              <a:rPr lang="en-US" dirty="0" err="1"/>
-              <a:t>Mozeko</a:t>
-            </a:r>
-            <a:r>
-              <a:rPr lang="en-US" dirty="0"/>
-              <a:t>: Sales Manager</a:t>
-            </a:r>
-          </a:p>
-          <a:p>
-            <a:r>
-              <a:rPr lang="en-US" dirty="0"/>
-              <a:t>Kunal Sood: Marketing Manager</a:t>
-            </a:r>
-          </a:p>
-          <a:p>
-            <a:r>
-              <a:rPr lang="en-US" dirty="0"/>
-              <a:t>Marcus Cudjoe: Chief Credit Officer</a:t>
-            </a:r>
-          </a:p>
-        </p:txBody>
-      </p:sp>
+        </p:nvGraphicFramePr>
+        <p:xfrm>
+          <a:off x="919119" y="2204197"/>
+          <a:ext cx="10353762" cy="3714749"/>
+        </p:xfrm>
+        <a:graphic>
+          <a:graphicData uri="http://schemas.openxmlformats.org/drawingml/2006/diagram">
+            <dgm:relIds xmlns:dgm="http://schemas.openxmlformats.org/drawingml/2006/diagram" xmlns:r="http://schemas.openxmlformats.org/officeDocument/2006/relationships" r:dm="rId2" r:lo="rId3" r:qs="rId4" r:cs="rId5"/>
+          </a:graphicData>
+        </a:graphic>
+      </p:graphicFrame>
       <p:sp>
         <p:nvSpPr>
           <p:cNvPr id="4" name="TextBox 3">
